--- a/img/Groß_Ophoff et al (2023)_adapted_misslungen.pptx
+++ b/img/Groß_Ophoff et al (2023)_adapted_misslungen.pptx
@@ -4880,7 +4880,7 @@
           <a:noFill/>
           <a:ln>
             <a:solidFill>
-              <a:srgbClr val="267326"/>
+              <a:schemeClr val="tx1"/>
             </a:solidFill>
             <a:prstDash val="dash"/>
             <a:extLst>
@@ -5052,7 +5052,7 @@
           <a:noFill/>
           <a:ln>
             <a:solidFill>
-              <a:srgbClr val="267326"/>
+              <a:schemeClr val="tx1"/>
             </a:solidFill>
             <a:prstDash val="dash"/>
             <a:extLst>
@@ -5224,7 +5224,7 @@
           <a:noFill/>
           <a:ln>
             <a:solidFill>
-              <a:srgbClr val="267326"/>
+              <a:schemeClr val="tx1"/>
             </a:solidFill>
             <a:prstDash val="dash"/>
             <a:extLst>
@@ -5401,18 +5401,12 @@
           <a:p>
             <a:r>
               <a:rPr lang="de-DE" sz="1600" dirty="0">
-                <a:solidFill>
-                  <a:srgbClr val="267326"/>
-                </a:solidFill>
                 <a:latin typeface="LM Roman 10" pitchFamily="2" charset="77"/>
                 <a:cs typeface="Didot" panose="02000503000000020003" pitchFamily="2" charset="-79"/>
               </a:rPr>
               <a:t>Charakteristika der Schule</a:t>
             </a:r>
             <a:endParaRPr lang="en-US" dirty="0">
-              <a:solidFill>
-                <a:srgbClr val="267326"/>
-              </a:solidFill>
               <a:latin typeface="LM Roman 10" pitchFamily="2" charset="77"/>
               <a:cs typeface="Didot" panose="02000503000000020003" pitchFamily="2" charset="-79"/>
             </a:endParaRPr>
@@ -5449,18 +5443,12 @@
           <a:p>
             <a:r>
               <a:rPr lang="de-DE" sz="1600" dirty="0">
-                <a:solidFill>
-                  <a:srgbClr val="267326"/>
-                </a:solidFill>
                 <a:latin typeface="LM Roman 10" pitchFamily="2" charset="77"/>
                 <a:cs typeface="Didot" panose="02000503000000020003" pitchFamily="2" charset="-79"/>
               </a:rPr>
               <a:t>Charakteristika der individuellen Lehrperson</a:t>
             </a:r>
             <a:endParaRPr lang="en-US" sz="1600" dirty="0">
-              <a:solidFill>
-                <a:srgbClr val="267326"/>
-              </a:solidFill>
               <a:latin typeface="LM Roman 10" pitchFamily="2" charset="77"/>
               <a:cs typeface="Didot" panose="02000503000000020003" pitchFamily="2" charset="-79"/>
             </a:endParaRPr>
@@ -5497,18 +5485,12 @@
           <a:p>
             <a:r>
               <a:rPr lang="de-DE" sz="1600" dirty="0">
-                <a:solidFill>
-                  <a:srgbClr val="267326"/>
-                </a:solidFill>
                 <a:latin typeface="LM Roman 10" pitchFamily="2" charset="77"/>
                 <a:cs typeface="Didot" panose="02000503000000020003" pitchFamily="2" charset="-79"/>
               </a:rPr>
               <a:t>Charakteristika der Forschung/des Forschungswissens</a:t>
             </a:r>
             <a:endParaRPr lang="en-US" sz="1600" dirty="0">
-              <a:solidFill>
-                <a:srgbClr val="267326"/>
-              </a:solidFill>
               <a:latin typeface="LM Roman 10" pitchFamily="2" charset="77"/>
               <a:cs typeface="Didot" panose="02000503000000020003" pitchFamily="2" charset="-79"/>
             </a:endParaRPr>
@@ -5540,7 +5522,7 @@
           </a:solidFill>
           <a:ln>
             <a:solidFill>
-              <a:srgbClr val="267326"/>
+              <a:schemeClr val="tx1"/>
             </a:solidFill>
           </a:ln>
           <a:effectLst>
@@ -5617,7 +5599,7 @@
           </a:solidFill>
           <a:ln>
             <a:solidFill>
-              <a:srgbClr val="267326"/>
+              <a:schemeClr val="tx1"/>
             </a:solidFill>
           </a:ln>
           <a:effectLst>
@@ -5652,7 +5634,7 @@
             <a:r>
               <a:rPr lang="de-DE" sz="1600" dirty="0">
                 <a:solidFill>
-                  <a:srgbClr val="267326"/>
+                  <a:schemeClr val="tx1"/>
                 </a:solidFill>
                 <a:latin typeface="LM Roman 10" pitchFamily="2" charset="77"/>
                 <a:cs typeface="Didot" panose="02000503000000020003" pitchFamily="2" charset="-79"/>
@@ -5661,7 +5643,7 @@
             </a:r>
             <a:endParaRPr lang="en-US" dirty="0">
               <a:solidFill>
-                <a:srgbClr val="267326"/>
+                <a:schemeClr val="tx1"/>
               </a:solidFill>
               <a:latin typeface="LM Roman 10" pitchFamily="2" charset="77"/>
               <a:cs typeface="Didot" panose="02000503000000020003" pitchFamily="2" charset="-79"/>
@@ -5762,7 +5744,7 @@
           </a:prstGeom>
           <a:ln w="34925">
             <a:solidFill>
-              <a:srgbClr val="267326"/>
+              <a:schemeClr val="tx1"/>
             </a:solidFill>
             <a:tailEnd type="triangle"/>
           </a:ln>
@@ -5920,7 +5902,7 @@
           </a:solidFill>
           <a:ln>
             <a:solidFill>
-              <a:srgbClr val="267326"/>
+              <a:schemeClr val="tx1"/>
             </a:solidFill>
           </a:ln>
           <a:effectLst>
@@ -5955,7 +5937,7 @@
             <a:r>
               <a:rPr lang="de-DE" sz="1600" dirty="0">
                 <a:solidFill>
-                  <a:srgbClr val="267326"/>
+                  <a:schemeClr val="tx1"/>
                 </a:solidFill>
                 <a:latin typeface="LM Roman 10" pitchFamily="2" charset="77"/>
                 <a:cs typeface="Didot" panose="02000503000000020003" pitchFamily="2" charset="-79"/>
@@ -5964,7 +5946,7 @@
             </a:r>
             <a:endParaRPr lang="en-US" sz="1600" dirty="0">
               <a:solidFill>
-                <a:srgbClr val="267326"/>
+                <a:schemeClr val="tx1"/>
               </a:solidFill>
               <a:latin typeface="LM Roman 10" pitchFamily="2" charset="77"/>
               <a:cs typeface="Didot" panose="02000503000000020003" pitchFamily="2" charset="-79"/>
@@ -6044,7 +6026,7 @@
           </a:prstGeom>
           <a:ln w="34925">
             <a:solidFill>
-              <a:srgbClr val="267326"/>
+              <a:schemeClr val="tx1"/>
             </a:solidFill>
             <a:tailEnd type="triangle"/>
           </a:ln>
@@ -6090,7 +6072,7 @@
           </a:prstGeom>
           <a:ln w="34925">
             <a:solidFill>
-              <a:srgbClr val="267326"/>
+              <a:schemeClr val="tx1"/>
             </a:solidFill>
             <a:tailEnd type="triangle"/>
           </a:ln>
@@ -6135,7 +6117,7 @@
           </a:prstGeom>
           <a:ln w="34925">
             <a:solidFill>
-              <a:srgbClr val="267326"/>
+              <a:schemeClr val="tx1"/>
             </a:solidFill>
             <a:tailEnd type="triangle"/>
           </a:ln>
@@ -6180,7 +6162,7 @@
           </a:prstGeom>
           <a:ln w="34925">
             <a:solidFill>
-              <a:srgbClr val="267326"/>
+              <a:schemeClr val="tx1"/>
             </a:solidFill>
             <a:tailEnd type="triangle"/>
           </a:ln>
@@ -6327,18 +6309,12 @@
           <a:p>
             <a:r>
               <a:rPr lang="de-DE" sz="1400" dirty="0">
-                <a:solidFill>
-                  <a:srgbClr val="267326"/>
-                </a:solidFill>
                 <a:latin typeface="LM Roman 10" pitchFamily="2" charset="77"/>
                 <a:cs typeface="Didot" panose="02000503000000020003" pitchFamily="2" charset="-79"/>
               </a:rPr>
               <a:t>2) Zugriffsphase</a:t>
             </a:r>
             <a:endParaRPr lang="en-US" sz="1400" dirty="0">
-              <a:solidFill>
-                <a:srgbClr val="267326"/>
-              </a:solidFill>
               <a:latin typeface="LM Roman 10" pitchFamily="2" charset="77"/>
               <a:cs typeface="Didot" panose="02000503000000020003" pitchFamily="2" charset="-79"/>
             </a:endParaRPr>
@@ -6427,18 +6403,12 @@
           <a:p>
             <a:r>
               <a:rPr lang="de-DE" sz="1400" dirty="0">
-                <a:solidFill>
-                  <a:srgbClr val="267326"/>
-                </a:solidFill>
                 <a:latin typeface="LM Roman 10" pitchFamily="2" charset="77"/>
                 <a:cs typeface="Didot" panose="02000503000000020003" pitchFamily="2" charset="-79"/>
               </a:rPr>
               <a:t>5) Evaluationsphase</a:t>
             </a:r>
             <a:endParaRPr lang="en-US" sz="1400" dirty="0">
-              <a:solidFill>
-                <a:srgbClr val="267326"/>
-              </a:solidFill>
               <a:latin typeface="LM Roman 10" pitchFamily="2" charset="77"/>
               <a:cs typeface="Didot" panose="02000503000000020003" pitchFamily="2" charset="-79"/>
             </a:endParaRPr>
@@ -6469,9 +6439,7 @@
             <a:srgbClr val="F2F2F2"/>
           </a:solidFill>
           <a:ln>
-            <a:solidFill>
-              <a:schemeClr val="tx1"/>
-            </a:solidFill>
+            <a:noFill/>
           </a:ln>
         </p:spPr>
         <p:txBody>
@@ -6524,7 +6492,7 @@
           </a:prstGeom>
           <a:ln w="34925">
             <a:solidFill>
-              <a:srgbClr val="267326"/>
+              <a:schemeClr val="tx1"/>
             </a:solidFill>
             <a:tailEnd type="triangle"/>
           </a:ln>
@@ -6558,7 +6526,7 @@
         </p:nvSpPr>
         <p:spPr>
           <a:xfrm>
-            <a:off x="1072543" y="5677641"/>
+            <a:off x="1123343" y="5677641"/>
             <a:ext cx="2110495" cy="307777"/>
           </a:xfrm>
           <a:prstGeom prst="rect">
@@ -6576,18 +6544,12 @@
           <a:p>
             <a:r>
               <a:rPr lang="de-DE" sz="1400" dirty="0">
-                <a:solidFill>
-                  <a:srgbClr val="267326"/>
-                </a:solidFill>
                 <a:latin typeface="LM Roman 10" pitchFamily="2" charset="77"/>
                 <a:cs typeface="Didot" panose="02000503000000020003" pitchFamily="2" charset="-79"/>
               </a:rPr>
               <a:t>1) Konzeptuelle Phase</a:t>
             </a:r>
             <a:endParaRPr lang="en-US" sz="1400" dirty="0">
-              <a:solidFill>
-                <a:srgbClr val="267326"/>
-              </a:solidFill>
               <a:latin typeface="LM Roman 10" pitchFamily="2" charset="77"/>
               <a:cs typeface="Didot" panose="02000503000000020003" pitchFamily="2" charset="-79"/>
             </a:endParaRPr>
@@ -6670,19 +6632,12 @@
           <a:p>
             <a:r>
               <a:rPr lang="de-DE" dirty="0">
-                <a:solidFill>
-                  <a:srgbClr val="267326"/>
-                </a:solidFill>
                 <a:latin typeface="LM Roman 10" pitchFamily="2" charset="77"/>
                 <a:cs typeface="Didot" panose="02000503000000020003" pitchFamily="2" charset="-79"/>
               </a:rPr>
               <a:t>Anlass</a:t>
             </a:r>
-            <a:endParaRPr lang="de-DE" dirty="0">
-              <a:solidFill>
-                <a:srgbClr val="267326"/>
-              </a:solidFill>
-            </a:endParaRPr>
+            <a:endParaRPr lang="de-DE" dirty="0"/>
           </a:p>
         </p:txBody>
       </p:sp>
@@ -6711,7 +6666,7 @@
           <a:noFill/>
           <a:ln>
             <a:solidFill>
-              <a:srgbClr val="267326"/>
+              <a:schemeClr val="tx1"/>
             </a:solidFill>
             <a:prstDash val="dash"/>
             <a:extLst>
@@ -6888,88 +6843,15 @@
           <a:p>
             <a:r>
               <a:rPr lang="de-DE" sz="1600" dirty="0">
-                <a:solidFill>
-                  <a:srgbClr val="267326"/>
-                </a:solidFill>
                 <a:latin typeface="LM Roman 10" pitchFamily="2" charset="77"/>
                 <a:cs typeface="Didot" panose="02000503000000020003" pitchFamily="2" charset="-79"/>
               </a:rPr>
               <a:t>Charakteristika der Kommunikation</a:t>
             </a:r>
             <a:endParaRPr lang="en-US" dirty="0">
-              <a:solidFill>
-                <a:srgbClr val="267326"/>
-              </a:solidFill>
               <a:latin typeface="LM Roman 10" pitchFamily="2" charset="77"/>
               <a:cs typeface="Didot" panose="02000503000000020003" pitchFamily="2" charset="-79"/>
             </a:endParaRPr>
-          </a:p>
-        </p:txBody>
-      </p:sp>
-      <p:sp>
-        <p:nvSpPr>
-          <p:cNvPr id="17" name="Textfeld 16">
-            <a:extLst>
-              <a:ext uri="{FF2B5EF4-FFF2-40B4-BE49-F238E27FC236}">
-                <a16:creationId xmlns:a16="http://schemas.microsoft.com/office/drawing/2014/main" id="{8D787362-CEED-9E8B-857D-4018325726AC}"/>
-              </a:ext>
-            </a:extLst>
-          </p:cNvPr>
-          <p:cNvSpPr txBox="1"/>
-          <p:nvPr/>
-        </p:nvSpPr>
-        <p:spPr>
-          <a:xfrm>
-            <a:off x="2455059" y="7127001"/>
-            <a:ext cx="7884186" cy="400110"/>
-          </a:xfrm>
-          <a:prstGeom prst="rect">
-            <a:avLst/>
-          </a:prstGeom>
-          <a:noFill/>
-        </p:spPr>
-        <p:txBody>
-          <a:bodyPr wrap="square">
-            <a:spAutoFit/>
-          </a:bodyPr>
-          <a:lstStyle/>
-          <a:p>
-            <a:r>
-              <a:rPr lang="de-DE" sz="2000" dirty="0">
-                <a:solidFill>
-                  <a:srgbClr val="267326"/>
-                </a:solidFill>
-                <a:latin typeface="LM Roman 10" pitchFamily="2" charset="77"/>
-              </a:rPr>
-              <a:t>Eigene Adaption des Prozessmodell nach </a:t>
-            </a:r>
-            <a:r>
-              <a:rPr lang="de-DE" sz="2000" dirty="0">
-                <a:solidFill>
-                  <a:srgbClr val="7FC400"/>
-                </a:solidFill>
-                <a:latin typeface="LM Roman 10" pitchFamily="2" charset="77"/>
-              </a:rPr>
-              <a:t>Groß </a:t>
-            </a:r>
-            <a:r>
-              <a:rPr lang="de-DE" sz="2000" dirty="0" err="1">
-                <a:solidFill>
-                  <a:srgbClr val="7FC400"/>
-                </a:solidFill>
-                <a:latin typeface="LM Roman 10" pitchFamily="2" charset="77"/>
-              </a:rPr>
-              <a:t>Ophoff</a:t>
-            </a:r>
-            <a:r>
-              <a:rPr lang="de-DE" sz="2000" dirty="0">
-                <a:solidFill>
-                  <a:srgbClr val="7FC400"/>
-                </a:solidFill>
-                <a:latin typeface="LM Roman 10" pitchFamily="2" charset="77"/>
-              </a:rPr>
-              <a:t> et al. (2023)</a:t>
-            </a:r>
           </a:p>
         </p:txBody>
       </p:sp>
@@ -7100,7 +6982,7 @@
           <a:noFill/>
           <a:ln>
             <a:solidFill>
-              <a:srgbClr val="267326"/>
+              <a:schemeClr val="tx1"/>
             </a:solidFill>
             <a:prstDash val="dash"/>
             <a:extLst>
@@ -7272,7 +7154,7 @@
           <a:noFill/>
           <a:ln>
             <a:solidFill>
-              <a:srgbClr val="267326"/>
+              <a:schemeClr val="tx1"/>
             </a:solidFill>
             <a:prstDash val="dash"/>
             <a:extLst>
@@ -7444,7 +7326,7 @@
           <a:noFill/>
           <a:ln>
             <a:solidFill>
-              <a:srgbClr val="267326"/>
+              <a:schemeClr val="tx1"/>
             </a:solidFill>
             <a:prstDash val="dash"/>
             <a:extLst>
@@ -7621,18 +7503,12 @@
           <a:p>
             <a:r>
               <a:rPr lang="de-DE" sz="1600" dirty="0">
-                <a:solidFill>
-                  <a:srgbClr val="267326"/>
-                </a:solidFill>
                 <a:latin typeface="LM Roman 10" pitchFamily="2" charset="77"/>
                 <a:cs typeface="Didot" panose="02000503000000020003" pitchFamily="2" charset="-79"/>
               </a:rPr>
               <a:t>Charakteristika der Schule</a:t>
             </a:r>
             <a:endParaRPr lang="en-US" dirty="0">
-              <a:solidFill>
-                <a:srgbClr val="267326"/>
-              </a:solidFill>
               <a:latin typeface="LM Roman 10" pitchFamily="2" charset="77"/>
               <a:cs typeface="Didot" panose="02000503000000020003" pitchFamily="2" charset="-79"/>
             </a:endParaRPr>
@@ -7669,18 +7545,12 @@
           <a:p>
             <a:r>
               <a:rPr lang="de-DE" sz="1600" dirty="0">
-                <a:solidFill>
-                  <a:srgbClr val="267326"/>
-                </a:solidFill>
                 <a:latin typeface="LM Roman 10" pitchFamily="2" charset="77"/>
                 <a:cs typeface="Didot" panose="02000503000000020003" pitchFamily="2" charset="-79"/>
               </a:rPr>
               <a:t>Charakteristika der individuellen Lehrperson</a:t>
             </a:r>
             <a:endParaRPr lang="en-US" sz="1600" dirty="0">
-              <a:solidFill>
-                <a:srgbClr val="267326"/>
-              </a:solidFill>
               <a:latin typeface="LM Roman 10" pitchFamily="2" charset="77"/>
               <a:cs typeface="Didot" panose="02000503000000020003" pitchFamily="2" charset="-79"/>
             </a:endParaRPr>
@@ -7717,18 +7587,12 @@
           <a:p>
             <a:r>
               <a:rPr lang="de-DE" sz="1600" dirty="0">
-                <a:solidFill>
-                  <a:srgbClr val="267326"/>
-                </a:solidFill>
                 <a:latin typeface="LM Roman 10" pitchFamily="2" charset="77"/>
                 <a:cs typeface="Didot" panose="02000503000000020003" pitchFamily="2" charset="-79"/>
               </a:rPr>
               <a:t>Charakteristika der Forschung/des Forschungswissens</a:t>
             </a:r>
             <a:endParaRPr lang="en-US" sz="1600" dirty="0">
-              <a:solidFill>
-                <a:srgbClr val="267326"/>
-              </a:solidFill>
               <a:latin typeface="LM Roman 10" pitchFamily="2" charset="77"/>
               <a:cs typeface="Didot" panose="02000503000000020003" pitchFamily="2" charset="-79"/>
             </a:endParaRPr>
@@ -7760,7 +7624,7 @@
           </a:solidFill>
           <a:ln>
             <a:solidFill>
-              <a:srgbClr val="267326"/>
+              <a:schemeClr val="tx1"/>
             </a:solidFill>
           </a:ln>
           <a:effectLst>
@@ -7982,7 +7846,7 @@
           </a:prstGeom>
           <a:ln w="34925">
             <a:solidFill>
-              <a:srgbClr val="267326"/>
+              <a:schemeClr val="tx1"/>
             </a:solidFill>
             <a:tailEnd type="triangle"/>
           </a:ln>
@@ -8066,14 +7930,14 @@
         <p:spPr>
           <a:xfrm flipH="1">
             <a:off x="4390042" y="4940336"/>
-            <a:ext cx="2538792" cy="0"/>
+            <a:ext cx="2446020" cy="0"/>
           </a:xfrm>
           <a:prstGeom prst="straightConnector1">
             <a:avLst/>
           </a:prstGeom>
           <a:ln w="34925">
             <a:solidFill>
-              <a:srgbClr val="267326"/>
+              <a:schemeClr val="tx1"/>
             </a:solidFill>
             <a:tailEnd type="triangle"/>
           </a:ln>
@@ -8118,7 +7982,7 @@
           </a:prstGeom>
           <a:ln w="34925">
             <a:solidFill>
-              <a:srgbClr val="267326"/>
+              <a:schemeClr val="tx1"/>
             </a:solidFill>
             <a:tailEnd type="triangle"/>
           </a:ln>
@@ -8163,7 +8027,7 @@
           </a:prstGeom>
           <a:ln w="34925">
             <a:solidFill>
-              <a:srgbClr val="267326"/>
+              <a:schemeClr val="tx1"/>
             </a:solidFill>
             <a:tailEnd type="triangle"/>
           </a:ln>
@@ -8215,18 +8079,12 @@
           <a:p>
             <a:r>
               <a:rPr lang="de-DE" sz="1400" dirty="0">
-                <a:solidFill>
-                  <a:srgbClr val="267326"/>
-                </a:solidFill>
                 <a:latin typeface="LM Roman 10" pitchFamily="2" charset="77"/>
                 <a:cs typeface="Didot" panose="02000503000000020003" pitchFamily="2" charset="-79"/>
               </a:rPr>
               <a:t>2) Zugriffsphase</a:t>
             </a:r>
             <a:endParaRPr lang="en-US" sz="1400" dirty="0">
-              <a:solidFill>
-                <a:srgbClr val="267326"/>
-              </a:solidFill>
               <a:latin typeface="LM Roman 10" pitchFamily="2" charset="77"/>
               <a:cs typeface="Didot" panose="02000503000000020003" pitchFamily="2" charset="-79"/>
             </a:endParaRPr>
@@ -8307,7 +8165,7 @@
           </a:prstGeom>
           <a:ln w="34925">
             <a:solidFill>
-              <a:srgbClr val="267326"/>
+              <a:schemeClr val="tx1"/>
             </a:solidFill>
             <a:tailEnd type="triangle"/>
           </a:ln>
@@ -8359,18 +8217,12 @@
           <a:p>
             <a:r>
               <a:rPr lang="de-DE" sz="1400" dirty="0">
-                <a:solidFill>
-                  <a:srgbClr val="267326"/>
-                </a:solidFill>
                 <a:latin typeface="LM Roman 10" pitchFamily="2" charset="77"/>
                 <a:cs typeface="Didot" panose="02000503000000020003" pitchFamily="2" charset="-79"/>
               </a:rPr>
               <a:t>1) Konzeptuelle Phase</a:t>
             </a:r>
             <a:endParaRPr lang="en-US" sz="1400" dirty="0">
-              <a:solidFill>
-                <a:srgbClr val="267326"/>
-              </a:solidFill>
               <a:latin typeface="LM Roman 10" pitchFamily="2" charset="77"/>
               <a:cs typeface="Didot" panose="02000503000000020003" pitchFamily="2" charset="-79"/>
             </a:endParaRPr>
@@ -8453,19 +8305,12 @@
           <a:p>
             <a:r>
               <a:rPr lang="de-DE" dirty="0">
-                <a:solidFill>
-                  <a:srgbClr val="267326"/>
-                </a:solidFill>
                 <a:latin typeface="LM Roman 10" pitchFamily="2" charset="77"/>
                 <a:cs typeface="Didot" panose="02000503000000020003" pitchFamily="2" charset="-79"/>
               </a:rPr>
               <a:t>Anlass</a:t>
             </a:r>
-            <a:endParaRPr lang="de-DE" dirty="0">
-              <a:solidFill>
-                <a:srgbClr val="267326"/>
-              </a:solidFill>
-            </a:endParaRPr>
+            <a:endParaRPr lang="de-DE" dirty="0"/>
           </a:p>
         </p:txBody>
       </p:sp>
@@ -8494,7 +8339,7 @@
           <a:noFill/>
           <a:ln>
             <a:solidFill>
-              <a:srgbClr val="267326"/>
+              <a:schemeClr val="tx1"/>
             </a:solidFill>
             <a:prstDash val="dash"/>
             <a:extLst>
@@ -8671,88 +8516,15 @@
           <a:p>
             <a:r>
               <a:rPr lang="de-DE" sz="1600" dirty="0">
-                <a:solidFill>
-                  <a:srgbClr val="267326"/>
-                </a:solidFill>
                 <a:latin typeface="LM Roman 10" pitchFamily="2" charset="77"/>
                 <a:cs typeface="Didot" panose="02000503000000020003" pitchFamily="2" charset="-79"/>
               </a:rPr>
               <a:t>Charakteristika der Kommunikation</a:t>
             </a:r>
             <a:endParaRPr lang="en-US" dirty="0">
-              <a:solidFill>
-                <a:srgbClr val="267326"/>
-              </a:solidFill>
               <a:latin typeface="LM Roman 10" pitchFamily="2" charset="77"/>
               <a:cs typeface="Didot" panose="02000503000000020003" pitchFamily="2" charset="-79"/>
             </a:endParaRPr>
-          </a:p>
-        </p:txBody>
-      </p:sp>
-      <p:sp>
-        <p:nvSpPr>
-          <p:cNvPr id="17" name="Textfeld 16">
-            <a:extLst>
-              <a:ext uri="{FF2B5EF4-FFF2-40B4-BE49-F238E27FC236}">
-                <a16:creationId xmlns:a16="http://schemas.microsoft.com/office/drawing/2014/main" id="{8D787362-CEED-9E8B-857D-4018325726AC}"/>
-              </a:ext>
-            </a:extLst>
-          </p:cNvPr>
-          <p:cNvSpPr txBox="1"/>
-          <p:nvPr/>
-        </p:nvSpPr>
-        <p:spPr>
-          <a:xfrm>
-            <a:off x="2455059" y="7127001"/>
-            <a:ext cx="7884186" cy="400110"/>
-          </a:xfrm>
-          <a:prstGeom prst="rect">
-            <a:avLst/>
-          </a:prstGeom>
-          <a:noFill/>
-        </p:spPr>
-        <p:txBody>
-          <a:bodyPr wrap="square">
-            <a:spAutoFit/>
-          </a:bodyPr>
-          <a:lstStyle/>
-          <a:p>
-            <a:r>
-              <a:rPr lang="de-DE" sz="2000" dirty="0">
-                <a:solidFill>
-                  <a:srgbClr val="267326"/>
-                </a:solidFill>
-                <a:latin typeface="LM Roman 10" pitchFamily="2" charset="77"/>
-              </a:rPr>
-              <a:t>Eigene Adaption des Prozessmodell nach </a:t>
-            </a:r>
-            <a:r>
-              <a:rPr lang="de-DE" sz="2000" dirty="0">
-                <a:solidFill>
-                  <a:srgbClr val="7FC400"/>
-                </a:solidFill>
-                <a:latin typeface="LM Roman 10" pitchFamily="2" charset="77"/>
-              </a:rPr>
-              <a:t>Groß </a:t>
-            </a:r>
-            <a:r>
-              <a:rPr lang="de-DE" sz="2000" dirty="0" err="1">
-                <a:solidFill>
-                  <a:srgbClr val="7FC400"/>
-                </a:solidFill>
-                <a:latin typeface="LM Roman 10" pitchFamily="2" charset="77"/>
-              </a:rPr>
-              <a:t>Ophoff</a:t>
-            </a:r>
-            <a:r>
-              <a:rPr lang="de-DE" sz="2000" dirty="0">
-                <a:solidFill>
-                  <a:srgbClr val="7FC400"/>
-                </a:solidFill>
-                <a:latin typeface="LM Roman 10" pitchFamily="2" charset="77"/>
-              </a:rPr>
-              <a:t> et al. (2023)</a:t>
-            </a:r>
           </a:p>
         </p:txBody>
       </p:sp>
@@ -20346,7 +20118,7 @@
 </file>
 
 <file path=ppt/slides/slide6.xml><?xml version="1.0" encoding="utf-8"?>
-<p:sld xmlns:a="http://schemas.openxmlformats.org/drawingml/2006/main" xmlns:r="http://schemas.openxmlformats.org/officeDocument/2006/relationships" xmlns:p="http://schemas.openxmlformats.org/presentationml/2006/main">
+<p:sld xmlns:a="http://schemas.openxmlformats.org/drawingml/2006/main" xmlns:r="http://schemas.openxmlformats.org/officeDocument/2006/relationships" xmlns:p="http://schemas.openxmlformats.org/presentationml/2006/main" show="0">
   <p:cSld>
     <p:spTree>
       <p:nvGrpSpPr>

--- a/img/Groß_Ophoff et al (2023)_adapted_misslungen.pptx
+++ b/img/Groß_Ophoff et al (2023)_adapted_misslungen.pptx
@@ -15,12 +15,13 @@
     <p:sldId id="267" r:id="rId9"/>
     <p:sldId id="269" r:id="rId10"/>
     <p:sldId id="270" r:id="rId11"/>
-    <p:sldId id="271" r:id="rId12"/>
-    <p:sldId id="268" r:id="rId13"/>
-    <p:sldId id="258" r:id="rId14"/>
-    <p:sldId id="259" r:id="rId15"/>
-    <p:sldId id="260" r:id="rId16"/>
-    <p:sldId id="261" r:id="rId17"/>
+    <p:sldId id="272" r:id="rId12"/>
+    <p:sldId id="271" r:id="rId13"/>
+    <p:sldId id="268" r:id="rId14"/>
+    <p:sldId id="258" r:id="rId15"/>
+    <p:sldId id="259" r:id="rId16"/>
+    <p:sldId id="260" r:id="rId17"/>
+    <p:sldId id="261" r:id="rId18"/>
   </p:sldIdLst>
   <p:sldSz cx="12192000" cy="7559675"/>
   <p:notesSz cx="6858000" cy="9144000"/>
@@ -258,7 +259,7 @@
           <a:p>
             <a:fld id="{2F5C0E49-5901-4A70-B0E2-4707CC9925D2}" type="datetimeFigureOut">
               <a:rPr lang="en-US" smtClean="0"/>
-              <a:t>7/17/24</a:t>
+              <a:t>7/20/24</a:t>
             </a:fld>
             <a:endParaRPr lang="en-US"/>
           </a:p>
@@ -428,7 +429,7 @@
           <a:p>
             <a:fld id="{2F5C0E49-5901-4A70-B0E2-4707CC9925D2}" type="datetimeFigureOut">
               <a:rPr lang="en-US" smtClean="0"/>
-              <a:t>7/17/24</a:t>
+              <a:t>7/20/24</a:t>
             </a:fld>
             <a:endParaRPr lang="en-US"/>
           </a:p>
@@ -608,7 +609,7 @@
           <a:p>
             <a:fld id="{2F5C0E49-5901-4A70-B0E2-4707CC9925D2}" type="datetimeFigureOut">
               <a:rPr lang="en-US" smtClean="0"/>
-              <a:t>7/17/24</a:t>
+              <a:t>7/20/24</a:t>
             </a:fld>
             <a:endParaRPr lang="en-US"/>
           </a:p>
@@ -778,7 +779,7 @@
           <a:p>
             <a:fld id="{2F5C0E49-5901-4A70-B0E2-4707CC9925D2}" type="datetimeFigureOut">
               <a:rPr lang="en-US" smtClean="0"/>
-              <a:t>7/17/24</a:t>
+              <a:t>7/20/24</a:t>
             </a:fld>
             <a:endParaRPr lang="en-US"/>
           </a:p>
@@ -1024,7 +1025,7 @@
           <a:p>
             <a:fld id="{2F5C0E49-5901-4A70-B0E2-4707CC9925D2}" type="datetimeFigureOut">
               <a:rPr lang="en-US" smtClean="0"/>
-              <a:t>7/17/24</a:t>
+              <a:t>7/20/24</a:t>
             </a:fld>
             <a:endParaRPr lang="en-US"/>
           </a:p>
@@ -1256,7 +1257,7 @@
           <a:p>
             <a:fld id="{2F5C0E49-5901-4A70-B0E2-4707CC9925D2}" type="datetimeFigureOut">
               <a:rPr lang="en-US" smtClean="0"/>
-              <a:t>7/17/24</a:t>
+              <a:t>7/20/24</a:t>
             </a:fld>
             <a:endParaRPr lang="en-US"/>
           </a:p>
@@ -1623,7 +1624,7 @@
           <a:p>
             <a:fld id="{2F5C0E49-5901-4A70-B0E2-4707CC9925D2}" type="datetimeFigureOut">
               <a:rPr lang="en-US" smtClean="0"/>
-              <a:t>7/17/24</a:t>
+              <a:t>7/20/24</a:t>
             </a:fld>
             <a:endParaRPr lang="en-US"/>
           </a:p>
@@ -1741,7 +1742,7 @@
           <a:p>
             <a:fld id="{2F5C0E49-5901-4A70-B0E2-4707CC9925D2}" type="datetimeFigureOut">
               <a:rPr lang="en-US" smtClean="0"/>
-              <a:t>7/17/24</a:t>
+              <a:t>7/20/24</a:t>
             </a:fld>
             <a:endParaRPr lang="en-US"/>
           </a:p>
@@ -1836,7 +1837,7 @@
           <a:p>
             <a:fld id="{2F5C0E49-5901-4A70-B0E2-4707CC9925D2}" type="datetimeFigureOut">
               <a:rPr lang="en-US" smtClean="0"/>
-              <a:t>7/17/24</a:t>
+              <a:t>7/20/24</a:t>
             </a:fld>
             <a:endParaRPr lang="en-US"/>
           </a:p>
@@ -2113,7 +2114,7 @@
           <a:p>
             <a:fld id="{2F5C0E49-5901-4A70-B0E2-4707CC9925D2}" type="datetimeFigureOut">
               <a:rPr lang="en-US" smtClean="0"/>
-              <a:t>7/17/24</a:t>
+              <a:t>7/20/24</a:t>
             </a:fld>
             <a:endParaRPr lang="en-US"/>
           </a:p>
@@ -2370,7 +2371,7 @@
           <a:p>
             <a:fld id="{2F5C0E49-5901-4A70-B0E2-4707CC9925D2}" type="datetimeFigureOut">
               <a:rPr lang="en-US" smtClean="0"/>
-              <a:t>7/17/24</a:t>
+              <a:t>7/20/24</a:t>
             </a:fld>
             <a:endParaRPr lang="en-US"/>
           </a:p>
@@ -2586,7 +2587,7 @@
           <a:p>
             <a:fld id="{2F5C0E49-5901-4A70-B0E2-4707CC9925D2}" type="datetimeFigureOut">
               <a:rPr lang="en-US" smtClean="0"/>
-              <a:t>7/17/24</a:t>
+              <a:t>7/20/24</a:t>
             </a:fld>
             <a:endParaRPr lang="en-US"/>
           </a:p>
@@ -5835,7 +5836,7 @@
           </a:solidFill>
           <a:ln>
             <a:solidFill>
-              <a:srgbClr val="96412D"/>
+              <a:schemeClr val="tx1"/>
             </a:solidFill>
           </a:ln>
           <a:effectLst>
@@ -5980,7 +5981,7 @@
           </a:prstGeom>
           <a:ln w="34925">
             <a:solidFill>
-              <a:srgbClr val="96412D"/>
+              <a:schemeClr val="tx1"/>
             </a:solidFill>
             <a:tailEnd type="triangle"/>
           </a:ln>
@@ -6196,13 +6197,16 @@
         </p:nvSpPr>
         <p:spPr>
           <a:xfrm>
-            <a:off x="8982929" y="2265767"/>
+            <a:off x="8982929" y="2261943"/>
             <a:ext cx="1553940" cy="854080"/>
           </a:xfrm>
           <a:prstGeom prst="rect">
             <a:avLst/>
           </a:prstGeom>
           <a:noFill/>
+          <a:ln>
+            <a:noFill/>
+          </a:ln>
         </p:spPr>
         <p:txBody>
           <a:bodyPr wrap="square" rtlCol="0">
@@ -6213,18 +6217,12 @@
             <a:pPr algn="ctr"/>
             <a:r>
               <a:rPr lang="de-DE" sz="1600" dirty="0">
-                <a:solidFill>
-                  <a:srgbClr val="96412D"/>
-                </a:solidFill>
                 <a:latin typeface="LM Roman 10" pitchFamily="2" charset="77"/>
                 <a:cs typeface="Didot" panose="02000503000000020003" pitchFamily="2" charset="-79"/>
               </a:rPr>
               <a:t>Nutzung</a:t>
             </a:r>
             <a:endParaRPr lang="de-DE" sz="2000" dirty="0">
-              <a:solidFill>
-                <a:srgbClr val="96412D"/>
-              </a:solidFill>
               <a:latin typeface="LM Roman 10" pitchFamily="2" charset="77"/>
               <a:cs typeface="Didot" panose="02000503000000020003" pitchFamily="2" charset="-79"/>
             </a:endParaRPr>
@@ -6233,9 +6231,6 @@
             <a:pPr algn="ctr"/>
             <a:r>
               <a:rPr lang="de-DE" sz="1100" dirty="0">
-                <a:solidFill>
-                  <a:srgbClr val="96412D"/>
-                </a:solidFill>
                 <a:latin typeface="LM Roman 10" pitchFamily="2" charset="77"/>
                 <a:cs typeface="Didot" panose="02000503000000020003" pitchFamily="2" charset="-79"/>
               </a:rPr>
@@ -6246,9 +6241,6 @@
             <a:pPr algn="ctr"/>
             <a:r>
               <a:rPr lang="de-DE" sz="1100" dirty="0">
-                <a:solidFill>
-                  <a:srgbClr val="96412D"/>
-                </a:solidFill>
                 <a:latin typeface="LM Roman 10" pitchFamily="2" charset="77"/>
                 <a:cs typeface="Didot" panose="02000503000000020003" pitchFamily="2" charset="-79"/>
               </a:rPr>
@@ -6259,18 +6251,12 @@
             <a:pPr algn="ctr"/>
             <a:r>
               <a:rPr lang="de-DE" sz="1100" dirty="0">
-                <a:solidFill>
-                  <a:srgbClr val="96412D"/>
-                </a:solidFill>
                 <a:latin typeface="LM Roman 10" pitchFamily="2" charset="77"/>
                 <a:cs typeface="Didot" panose="02000503000000020003" pitchFamily="2" charset="-79"/>
               </a:rPr>
               <a:t>symbolisch</a:t>
             </a:r>
             <a:endParaRPr lang="en-US" sz="1100" dirty="0">
-              <a:solidFill>
-                <a:srgbClr val="96412D"/>
-              </a:solidFill>
               <a:latin typeface="LM Roman 10" pitchFamily="2" charset="77"/>
               <a:cs typeface="Didot" panose="02000503000000020003" pitchFamily="2" charset="-79"/>
             </a:endParaRPr>
@@ -6450,18 +6436,12 @@
           <a:p>
             <a:r>
               <a:rPr lang="de-DE" sz="1400" dirty="0">
-                <a:solidFill>
-                  <a:srgbClr val="96412D"/>
-                </a:solidFill>
                 <a:latin typeface="LM Roman 10" pitchFamily="2" charset="77"/>
                 <a:cs typeface="Didot" panose="02000503000000020003" pitchFamily="2" charset="-79"/>
               </a:rPr>
               <a:t>4) Anwendungsphase</a:t>
             </a:r>
             <a:endParaRPr lang="en-US" sz="1400" dirty="0">
-              <a:solidFill>
-                <a:srgbClr val="96412D"/>
-              </a:solidFill>
               <a:latin typeface="LM Roman 10" pitchFamily="2" charset="77"/>
               <a:cs typeface="Didot" panose="02000503000000020003" pitchFamily="2" charset="-79"/>
             </a:endParaRPr>
@@ -6855,42 +6835,6 @@
           </a:p>
         </p:txBody>
       </p:sp>
-      <p:pic>
-        <p:nvPicPr>
-          <p:cNvPr id="25" name="Grafik 24" descr="Blitz mit einfarbiger Füllung">
-            <a:extLst>
-              <a:ext uri="{FF2B5EF4-FFF2-40B4-BE49-F238E27FC236}">
-                <a16:creationId xmlns:a16="http://schemas.microsoft.com/office/drawing/2014/main" id="{ECA01EBF-5AB9-37D3-4B03-2866BF8304B1}"/>
-              </a:ext>
-            </a:extLst>
-          </p:cNvPr>
-          <p:cNvPicPr>
-            <a:picLocks noChangeAspect="1"/>
-          </p:cNvPicPr>
-          <p:nvPr/>
-        </p:nvPicPr>
-        <p:blipFill>
-          <a:blip r:embed="rId2">
-            <a:extLst>
-              <a:ext uri="{96DAC541-7B7A-43D3-8B79-37D633B846F1}">
-                <asvg:svgBlip xmlns:asvg="http://schemas.microsoft.com/office/drawing/2016/SVG/main" r:embed="rId3"/>
-              </a:ext>
-            </a:extLst>
-          </a:blip>
-          <a:stretch>
-            <a:fillRect/>
-          </a:stretch>
-        </p:blipFill>
-        <p:spPr>
-          <a:xfrm>
-            <a:off x="8302447" y="1867211"/>
-            <a:ext cx="805254" cy="805254"/>
-          </a:xfrm>
-          <a:prstGeom prst="rect">
-            <a:avLst/>
-          </a:prstGeom>
-        </p:spPr>
-      </p:pic>
       <p:pic>
         <p:nvPicPr>
           <p:cNvPr id="28" name="Grafik 27" descr="Blitz mit einfarbiger Füllung">
@@ -7701,7 +7645,7 @@
           </a:solidFill>
           <a:ln>
             <a:solidFill>
-              <a:srgbClr val="96412D"/>
+              <a:schemeClr val="tx1"/>
             </a:solidFill>
           </a:ln>
           <a:effectLst>
@@ -7736,7 +7680,7 @@
             <a:r>
               <a:rPr lang="de-DE" sz="1600" dirty="0">
                 <a:solidFill>
-                  <a:srgbClr val="96412D"/>
+                  <a:schemeClr val="tx1"/>
                 </a:solidFill>
                 <a:latin typeface="LM Roman 10" pitchFamily="2" charset="77"/>
                 <a:cs typeface="Didot" panose="02000503000000020003" pitchFamily="2" charset="-79"/>
@@ -7745,7 +7689,7 @@
             </a:r>
             <a:endParaRPr lang="en-US" dirty="0">
               <a:solidFill>
-                <a:srgbClr val="96412D"/>
+                <a:schemeClr val="tx1"/>
               </a:solidFill>
               <a:latin typeface="LM Roman 10" pitchFamily="2" charset="77"/>
               <a:cs typeface="Didot" panose="02000503000000020003" pitchFamily="2" charset="-79"/>
@@ -7812,7 +7756,7 @@
             <a:pPr algn="ctr"/>
             <a:endParaRPr lang="en-US" sz="1600" dirty="0">
               <a:solidFill>
-                <a:srgbClr val="267326"/>
+                <a:srgbClr val="96412D"/>
               </a:solidFill>
               <a:latin typeface="LM Roman 10" pitchFamily="2" charset="77"/>
               <a:cs typeface="Didot" panose="02000503000000020003" pitchFamily="2" charset="-79"/>
@@ -7912,6 +7856,242 @@
           </a:fontRef>
         </p:style>
       </p:cxnSp>
+      <p:sp>
+        <p:nvSpPr>
+          <p:cNvPr id="26" name="Oval 25">
+            <a:extLst>
+              <a:ext uri="{FF2B5EF4-FFF2-40B4-BE49-F238E27FC236}">
+                <a16:creationId xmlns:a16="http://schemas.microsoft.com/office/drawing/2014/main" id="{E3DC8A4E-1508-5E72-013D-97FAFDC90495}"/>
+              </a:ext>
+            </a:extLst>
+          </p:cNvPr>
+          <p:cNvSpPr/>
+          <p:nvPr/>
+        </p:nvSpPr>
+        <p:spPr>
+          <a:xfrm>
+            <a:off x="8944559" y="2311793"/>
+            <a:ext cx="1630680" cy="754380"/>
+          </a:xfrm>
+          <a:prstGeom prst="ellipse">
+            <a:avLst/>
+          </a:prstGeom>
+          <a:solidFill>
+            <a:srgbClr val="F2F2F2"/>
+          </a:solidFill>
+          <a:ln>
+            <a:solidFill>
+              <a:srgbClr val="96412D"/>
+            </a:solidFill>
+          </a:ln>
+          <a:effectLst>
+            <a:outerShdw blurRad="50800" dist="38100" dir="2700000" algn="tl" rotWithShape="0">
+              <a:prstClr val="black">
+                <a:alpha val="40000"/>
+              </a:prstClr>
+            </a:outerShdw>
+          </a:effectLst>
+        </p:spPr>
+        <p:style>
+          <a:lnRef idx="2">
+            <a:schemeClr val="accent1">
+              <a:shade val="50000"/>
+            </a:schemeClr>
+          </a:lnRef>
+          <a:fillRef idx="1">
+            <a:schemeClr val="accent1"/>
+          </a:fillRef>
+          <a:effectRef idx="0">
+            <a:schemeClr val="accent1"/>
+          </a:effectRef>
+          <a:fontRef idx="minor">
+            <a:schemeClr val="lt1"/>
+          </a:fontRef>
+        </p:style>
+        <p:txBody>
+          <a:bodyPr rtlCol="0" anchor="ctr"/>
+          <a:lstStyle/>
+          <a:p>
+            <a:pPr algn="ctr"/>
+            <a:endParaRPr lang="en-US" dirty="0">
+              <a:solidFill>
+                <a:srgbClr val="267326"/>
+              </a:solidFill>
+              <a:latin typeface="LM Roman 10" pitchFamily="2" charset="77"/>
+              <a:cs typeface="Didot" panose="02000503000000020003" pitchFamily="2" charset="-79"/>
+            </a:endParaRPr>
+          </a:p>
+        </p:txBody>
+      </p:sp>
+      <p:sp>
+        <p:nvSpPr>
+          <p:cNvPr id="27" name="Oval 26">
+            <a:extLst>
+              <a:ext uri="{FF2B5EF4-FFF2-40B4-BE49-F238E27FC236}">
+                <a16:creationId xmlns:a16="http://schemas.microsoft.com/office/drawing/2014/main" id="{72AF60ED-4044-E5E5-F9E9-64C7593F7CC0}"/>
+              </a:ext>
+            </a:extLst>
+          </p:cNvPr>
+          <p:cNvSpPr/>
+          <p:nvPr/>
+        </p:nvSpPr>
+        <p:spPr>
+          <a:xfrm>
+            <a:off x="8944559" y="4563146"/>
+            <a:ext cx="1630680" cy="754380"/>
+          </a:xfrm>
+          <a:prstGeom prst="ellipse">
+            <a:avLst/>
+          </a:prstGeom>
+          <a:solidFill>
+            <a:srgbClr val="F2F2F2"/>
+          </a:solidFill>
+          <a:ln>
+            <a:solidFill>
+              <a:schemeClr val="tx1"/>
+            </a:solidFill>
+          </a:ln>
+          <a:effectLst>
+            <a:outerShdw blurRad="50800" dist="38100" dir="2700000" algn="tl" rotWithShape="0">
+              <a:prstClr val="black">
+                <a:alpha val="40000"/>
+              </a:prstClr>
+            </a:outerShdw>
+          </a:effectLst>
+        </p:spPr>
+        <p:style>
+          <a:lnRef idx="2">
+            <a:schemeClr val="accent1">
+              <a:shade val="50000"/>
+            </a:schemeClr>
+          </a:lnRef>
+          <a:fillRef idx="1">
+            <a:schemeClr val="accent1"/>
+          </a:fillRef>
+          <a:effectRef idx="0">
+            <a:schemeClr val="accent1"/>
+          </a:effectRef>
+          <a:fontRef idx="minor">
+            <a:schemeClr val="lt1"/>
+          </a:fontRef>
+        </p:style>
+        <p:txBody>
+          <a:bodyPr rtlCol="0" anchor="ctr"/>
+          <a:lstStyle/>
+          <a:p>
+            <a:pPr algn="ctr"/>
+            <a:r>
+              <a:rPr lang="de-DE" sz="1600" dirty="0">
+                <a:solidFill>
+                  <a:schemeClr val="tx1"/>
+                </a:solidFill>
+                <a:latin typeface="LM Roman 10" pitchFamily="2" charset="77"/>
+                <a:cs typeface="Didot" panose="02000503000000020003" pitchFamily="2" charset="-79"/>
+              </a:rPr>
+              <a:t>Ergebnisse</a:t>
+            </a:r>
+            <a:endParaRPr lang="en-US" sz="1600" dirty="0">
+              <a:solidFill>
+                <a:schemeClr val="tx1"/>
+              </a:solidFill>
+              <a:latin typeface="LM Roman 10" pitchFamily="2" charset="77"/>
+              <a:cs typeface="Didot" panose="02000503000000020003" pitchFamily="2" charset="-79"/>
+            </a:endParaRPr>
+          </a:p>
+        </p:txBody>
+      </p:sp>
+      <p:cxnSp>
+        <p:nvCxnSpPr>
+          <p:cNvPr id="32" name="Straight Arrow Connector 31">
+            <a:extLst>
+              <a:ext uri="{FF2B5EF4-FFF2-40B4-BE49-F238E27FC236}">
+                <a16:creationId xmlns:a16="http://schemas.microsoft.com/office/drawing/2014/main" id="{166579B7-9EB5-A37B-D7D0-0EEC0B6803AE}"/>
+              </a:ext>
+            </a:extLst>
+          </p:cNvPr>
+          <p:cNvCxnSpPr>
+            <a:cxnSpLocks/>
+            <a:stCxn id="15" idx="6"/>
+            <a:endCxn id="26" idx="2"/>
+          </p:cNvCxnSpPr>
+          <p:nvPr/>
+        </p:nvCxnSpPr>
+        <p:spPr>
+          <a:xfrm flipV="1">
+            <a:off x="7651403" y="2688984"/>
+            <a:ext cx="1293157" cy="3929"/>
+          </a:xfrm>
+          <a:prstGeom prst="straightConnector1">
+            <a:avLst/>
+          </a:prstGeom>
+          <a:ln w="34925">
+            <a:solidFill>
+              <a:srgbClr val="96412D"/>
+            </a:solidFill>
+            <a:tailEnd type="triangle"/>
+          </a:ln>
+        </p:spPr>
+        <p:style>
+          <a:lnRef idx="1">
+            <a:schemeClr val="accent1"/>
+          </a:lnRef>
+          <a:fillRef idx="0">
+            <a:schemeClr val="accent1"/>
+          </a:fillRef>
+          <a:effectRef idx="0">
+            <a:schemeClr val="accent1"/>
+          </a:effectRef>
+          <a:fontRef idx="minor">
+            <a:schemeClr val="tx1"/>
+          </a:fontRef>
+        </p:style>
+      </p:cxnSp>
+      <p:cxnSp>
+        <p:nvCxnSpPr>
+          <p:cNvPr id="34" name="Straight Arrow Connector 33">
+            <a:extLst>
+              <a:ext uri="{FF2B5EF4-FFF2-40B4-BE49-F238E27FC236}">
+                <a16:creationId xmlns:a16="http://schemas.microsoft.com/office/drawing/2014/main" id="{49F8FCE9-625E-3019-9506-DB4366A32AC6}"/>
+              </a:ext>
+            </a:extLst>
+          </p:cNvPr>
+          <p:cNvCxnSpPr>
+            <a:cxnSpLocks/>
+            <a:stCxn id="26" idx="4"/>
+            <a:endCxn id="27" idx="0"/>
+          </p:cNvCxnSpPr>
+          <p:nvPr/>
+        </p:nvCxnSpPr>
+        <p:spPr>
+          <a:xfrm>
+            <a:off x="9759899" y="3066174"/>
+            <a:ext cx="0" cy="1496973"/>
+          </a:xfrm>
+          <a:prstGeom prst="straightConnector1">
+            <a:avLst/>
+          </a:prstGeom>
+          <a:ln w="34925">
+            <a:solidFill>
+              <a:schemeClr val="tx1"/>
+            </a:solidFill>
+            <a:tailEnd type="triangle"/>
+          </a:ln>
+        </p:spPr>
+        <p:style>
+          <a:lnRef idx="1">
+            <a:schemeClr val="accent1"/>
+          </a:lnRef>
+          <a:fillRef idx="0">
+            <a:schemeClr val="accent1"/>
+          </a:fillRef>
+          <a:effectRef idx="0">
+            <a:schemeClr val="accent1"/>
+          </a:effectRef>
+          <a:fontRef idx="minor">
+            <a:schemeClr val="tx1"/>
+          </a:fontRef>
+        </p:style>
+      </p:cxnSp>
       <p:cxnSp>
         <p:nvCxnSpPr>
           <p:cNvPr id="37" name="Straight Arrow Connector 36">
@@ -7923,14 +8103,15 @@
           </p:cNvPr>
           <p:cNvCxnSpPr>
             <a:cxnSpLocks/>
+            <a:stCxn id="27" idx="2"/>
             <a:endCxn id="13" idx="6"/>
           </p:cNvCxnSpPr>
           <p:nvPr/>
         </p:nvCxnSpPr>
         <p:spPr>
           <a:xfrm flipH="1">
-            <a:off x="4390042" y="4940336"/>
-            <a:ext cx="2446020" cy="0"/>
+            <a:off x="4390043" y="4940336"/>
+            <a:ext cx="4554517" cy="0"/>
           </a:xfrm>
           <a:prstGeom prst="straightConnector1">
             <a:avLst/>
@@ -8049,6 +8230,101 @@
       </p:cxnSp>
       <p:sp>
         <p:nvSpPr>
+          <p:cNvPr id="50" name="TextBox 49">
+            <a:extLst>
+              <a:ext uri="{FF2B5EF4-FFF2-40B4-BE49-F238E27FC236}">
+                <a16:creationId xmlns:a16="http://schemas.microsoft.com/office/drawing/2014/main" id="{7FD64F8A-ADAA-448E-7F19-BDDBEC30B4D5}"/>
+              </a:ext>
+            </a:extLst>
+          </p:cNvPr>
+          <p:cNvSpPr txBox="1"/>
+          <p:nvPr/>
+        </p:nvSpPr>
+        <p:spPr>
+          <a:xfrm>
+            <a:off x="8982929" y="2265767"/>
+            <a:ext cx="1553940" cy="854080"/>
+          </a:xfrm>
+          <a:prstGeom prst="rect">
+            <a:avLst/>
+          </a:prstGeom>
+          <a:noFill/>
+        </p:spPr>
+        <p:txBody>
+          <a:bodyPr wrap="square" rtlCol="0">
+            <a:spAutoFit/>
+          </a:bodyPr>
+          <a:lstStyle/>
+          <a:p>
+            <a:pPr algn="ctr"/>
+            <a:r>
+              <a:rPr lang="de-DE" sz="1600" dirty="0">
+                <a:solidFill>
+                  <a:srgbClr val="96412D"/>
+                </a:solidFill>
+                <a:latin typeface="LM Roman 10" pitchFamily="2" charset="77"/>
+                <a:cs typeface="Didot" panose="02000503000000020003" pitchFamily="2" charset="-79"/>
+              </a:rPr>
+              <a:t>Nutzung</a:t>
+            </a:r>
+            <a:endParaRPr lang="de-DE" sz="2000" dirty="0">
+              <a:solidFill>
+                <a:srgbClr val="96412D"/>
+              </a:solidFill>
+              <a:latin typeface="LM Roman 10" pitchFamily="2" charset="77"/>
+              <a:cs typeface="Didot" panose="02000503000000020003" pitchFamily="2" charset="-79"/>
+            </a:endParaRPr>
+          </a:p>
+          <a:p>
+            <a:pPr algn="ctr"/>
+            <a:r>
+              <a:rPr lang="de-DE" sz="1100" dirty="0">
+                <a:solidFill>
+                  <a:srgbClr val="96412D"/>
+                </a:solidFill>
+                <a:latin typeface="LM Roman 10" pitchFamily="2" charset="77"/>
+                <a:cs typeface="Didot" panose="02000503000000020003" pitchFamily="2" charset="-79"/>
+              </a:rPr>
+              <a:t>instrumentell/</a:t>
+            </a:r>
+          </a:p>
+          <a:p>
+            <a:pPr algn="ctr"/>
+            <a:r>
+              <a:rPr lang="de-DE" sz="1100" dirty="0">
+                <a:solidFill>
+                  <a:srgbClr val="96412D"/>
+                </a:solidFill>
+                <a:latin typeface="LM Roman 10" pitchFamily="2" charset="77"/>
+                <a:cs typeface="Didot" panose="02000503000000020003" pitchFamily="2" charset="-79"/>
+              </a:rPr>
+              <a:t>konzeptuell/</a:t>
+            </a:r>
+          </a:p>
+          <a:p>
+            <a:pPr algn="ctr"/>
+            <a:r>
+              <a:rPr lang="de-DE" sz="1100" dirty="0">
+                <a:solidFill>
+                  <a:srgbClr val="96412D"/>
+                </a:solidFill>
+                <a:latin typeface="LM Roman 10" pitchFamily="2" charset="77"/>
+                <a:cs typeface="Didot" panose="02000503000000020003" pitchFamily="2" charset="-79"/>
+              </a:rPr>
+              <a:t>symbolisch</a:t>
+            </a:r>
+            <a:endParaRPr lang="en-US" sz="1100" dirty="0">
+              <a:solidFill>
+                <a:srgbClr val="96412D"/>
+              </a:solidFill>
+              <a:latin typeface="LM Roman 10" pitchFamily="2" charset="77"/>
+              <a:cs typeface="Didot" panose="02000503000000020003" pitchFamily="2" charset="-79"/>
+            </a:endParaRPr>
+          </a:p>
+        </p:txBody>
+      </p:sp>
+      <p:sp>
+        <p:nvSpPr>
           <p:cNvPr id="53" name="TextBox 52">
             <a:extLst>
               <a:ext uri="{FF2B5EF4-FFF2-40B4-BE49-F238E27FC236}">
@@ -8141,6 +8417,103 @@
           </a:p>
         </p:txBody>
       </p:sp>
+      <p:sp>
+        <p:nvSpPr>
+          <p:cNvPr id="55" name="TextBox 54">
+            <a:extLst>
+              <a:ext uri="{FF2B5EF4-FFF2-40B4-BE49-F238E27FC236}">
+                <a16:creationId xmlns:a16="http://schemas.microsoft.com/office/drawing/2014/main" id="{826285A5-86AB-FFF9-F41D-E2FDA68CD35F}"/>
+              </a:ext>
+            </a:extLst>
+          </p:cNvPr>
+          <p:cNvSpPr txBox="1"/>
+          <p:nvPr/>
+        </p:nvSpPr>
+        <p:spPr>
+          <a:xfrm>
+            <a:off x="8944560" y="3672231"/>
+            <a:ext cx="1761541" cy="307777"/>
+          </a:xfrm>
+          <a:prstGeom prst="rect">
+            <a:avLst/>
+          </a:prstGeom>
+          <a:solidFill>
+            <a:srgbClr val="F2F2F2"/>
+          </a:solidFill>
+        </p:spPr>
+        <p:txBody>
+          <a:bodyPr wrap="square" rtlCol="0">
+            <a:spAutoFit/>
+          </a:bodyPr>
+          <a:lstStyle/>
+          <a:p>
+            <a:r>
+              <a:rPr lang="de-DE" sz="1400" dirty="0">
+                <a:latin typeface="LM Roman 10" pitchFamily="2" charset="77"/>
+                <a:cs typeface="Didot" panose="02000503000000020003" pitchFamily="2" charset="-79"/>
+              </a:rPr>
+              <a:t>5) Evaluationsphase</a:t>
+            </a:r>
+            <a:endParaRPr lang="en-US" sz="1400" dirty="0">
+              <a:latin typeface="LM Roman 10" pitchFamily="2" charset="77"/>
+              <a:cs typeface="Didot" panose="02000503000000020003" pitchFamily="2" charset="-79"/>
+            </a:endParaRPr>
+          </a:p>
+        </p:txBody>
+      </p:sp>
+      <p:sp>
+        <p:nvSpPr>
+          <p:cNvPr id="56" name="TextBox 55">
+            <a:extLst>
+              <a:ext uri="{FF2B5EF4-FFF2-40B4-BE49-F238E27FC236}">
+                <a16:creationId xmlns:a16="http://schemas.microsoft.com/office/drawing/2014/main" id="{E1454FA1-25A8-7B63-A728-B46473330DD8}"/>
+              </a:ext>
+            </a:extLst>
+          </p:cNvPr>
+          <p:cNvSpPr txBox="1"/>
+          <p:nvPr/>
+        </p:nvSpPr>
+        <p:spPr>
+          <a:xfrm>
+            <a:off x="8092593" y="1568793"/>
+            <a:ext cx="400110" cy="1870642"/>
+          </a:xfrm>
+          <a:prstGeom prst="rect">
+            <a:avLst/>
+          </a:prstGeom>
+          <a:solidFill>
+            <a:srgbClr val="F2F2F2"/>
+          </a:solidFill>
+          <a:ln>
+            <a:noFill/>
+          </a:ln>
+        </p:spPr>
+        <p:txBody>
+          <a:bodyPr vert="vert270" wrap="square" rtlCol="0">
+            <a:spAutoFit/>
+          </a:bodyPr>
+          <a:lstStyle/>
+          <a:p>
+            <a:r>
+              <a:rPr lang="de-DE" sz="1400" dirty="0">
+                <a:solidFill>
+                  <a:srgbClr val="96412D"/>
+                </a:solidFill>
+                <a:latin typeface="LM Roman 10" pitchFamily="2" charset="77"/>
+                <a:cs typeface="Didot" panose="02000503000000020003" pitchFamily="2" charset="-79"/>
+              </a:rPr>
+              <a:t>4) Anwendungsphase</a:t>
+            </a:r>
+            <a:endParaRPr lang="en-US" sz="1400" dirty="0">
+              <a:solidFill>
+                <a:srgbClr val="96412D"/>
+              </a:solidFill>
+              <a:latin typeface="LM Roman 10" pitchFamily="2" charset="77"/>
+              <a:cs typeface="Didot" panose="02000503000000020003" pitchFamily="2" charset="-79"/>
+            </a:endParaRPr>
+          </a:p>
+        </p:txBody>
+      </p:sp>
       <p:cxnSp>
         <p:nvCxnSpPr>
           <p:cNvPr id="2" name="Connector: Curved 19">
@@ -8199,7 +8572,7 @@
         </p:nvSpPr>
         <p:spPr>
           <a:xfrm>
-            <a:off x="1072543" y="5677641"/>
+            <a:off x="1123343" y="5677641"/>
             <a:ext cx="2110495" cy="307777"/>
           </a:xfrm>
           <a:prstGeom prst="rect">
@@ -8556,7 +8929,43 @@
         </p:blipFill>
         <p:spPr>
           <a:xfrm>
-            <a:off x="5052823" y="2126525"/>
+            <a:off x="8302447" y="1867211"/>
+            <a:ext cx="805254" cy="805254"/>
+          </a:xfrm>
+          <a:prstGeom prst="rect">
+            <a:avLst/>
+          </a:prstGeom>
+        </p:spPr>
+      </p:pic>
+      <p:pic>
+        <p:nvPicPr>
+          <p:cNvPr id="28" name="Grafik 27" descr="Blitz mit einfarbiger Füllung">
+            <a:extLst>
+              <a:ext uri="{FF2B5EF4-FFF2-40B4-BE49-F238E27FC236}">
+                <a16:creationId xmlns:a16="http://schemas.microsoft.com/office/drawing/2014/main" id="{0ECE7471-9604-6157-EFA4-490A3589FBD6}"/>
+              </a:ext>
+            </a:extLst>
+          </p:cNvPr>
+          <p:cNvPicPr>
+            <a:picLocks noChangeAspect="1"/>
+          </p:cNvPicPr>
+          <p:nvPr/>
+        </p:nvPicPr>
+        <p:blipFill>
+          <a:blip r:embed="rId2">
+            <a:extLst>
+              <a:ext uri="{96DAC541-7B7A-43D3-8B79-37D633B846F1}">
+                <asvg:svgBlip xmlns:asvg="http://schemas.microsoft.com/office/drawing/2016/SVG/main" r:embed="rId3"/>
+              </a:ext>
+            </a:extLst>
+          </a:blip>
+          <a:stretch>
+            <a:fillRect/>
+          </a:stretch>
+        </p:blipFill>
+        <p:spPr>
+          <a:xfrm>
+            <a:off x="5111600" y="2086317"/>
             <a:ext cx="1149641" cy="1149641"/>
           </a:xfrm>
           <a:prstGeom prst="rect">
@@ -8567,7 +8976,7 @@
     </p:spTree>
     <p:extLst>
       <p:ext uri="{BB962C8B-B14F-4D97-AF65-F5344CB8AC3E}">
-        <p14:creationId xmlns:p14="http://schemas.microsoft.com/office/powerpoint/2010/main" val="567856876"/>
+        <p14:creationId xmlns:p14="http://schemas.microsoft.com/office/powerpoint/2010/main" val="1933049252"/>
       </p:ext>
     </p:extLst>
   </p:cSld>
@@ -8578,7 +8987,7 @@
 </file>
 
 <file path=ppt/slides/slide12.xml><?xml version="1.0" encoding="utf-8"?>
-<p:sld xmlns:a="http://schemas.openxmlformats.org/drawingml/2006/main" xmlns:r="http://schemas.openxmlformats.org/officeDocument/2006/relationships" xmlns:p="http://schemas.openxmlformats.org/presentationml/2006/main" show="0">
+<p:sld xmlns:a="http://schemas.openxmlformats.org/drawingml/2006/main" xmlns:r="http://schemas.openxmlformats.org/officeDocument/2006/relationships" xmlns:p="http://schemas.openxmlformats.org/presentationml/2006/main">
   <p:cSld>
     <p:spTree>
       <p:nvGrpSpPr>
@@ -8608,8 +9017,8 @@
         </p:nvSpPr>
         <p:spPr>
           <a:xfrm>
-            <a:off x="90197" y="500127"/>
-            <a:ext cx="12011608" cy="6559420"/>
+            <a:off x="406400" y="810536"/>
+            <a:ext cx="11013409" cy="5953259"/>
           </a:xfrm>
           <a:prstGeom prst="roundRect">
             <a:avLst>
@@ -8757,6 +9166,9 @@
           <a:p>
             <a:pPr algn="ctr"/>
             <a:endParaRPr lang="en-US" dirty="0">
+              <a:solidFill>
+                <a:srgbClr val="267326"/>
+              </a:solidFill>
               <a:latin typeface="LM Roman 10" pitchFamily="2" charset="77"/>
               <a:cs typeface="Didot" panose="02000503000000020003" pitchFamily="2" charset="-79"/>
             </a:endParaRPr>
@@ -8777,8 +9189,8 @@
         </p:nvSpPr>
         <p:spPr>
           <a:xfrm>
-            <a:off x="400881" y="873594"/>
-            <a:ext cx="11390238" cy="5812486"/>
+            <a:off x="722490" y="1137072"/>
+            <a:ext cx="10329333" cy="5285530"/>
           </a:xfrm>
           <a:prstGeom prst="roundRect">
             <a:avLst>
@@ -8926,6 +9338,9 @@
           <a:p>
             <a:pPr algn="ctr"/>
             <a:endParaRPr lang="en-US" dirty="0">
+              <a:solidFill>
+                <a:srgbClr val="267326"/>
+              </a:solidFill>
               <a:latin typeface="LM Roman 10" pitchFamily="2" charset="77"/>
               <a:cs typeface="Didot" panose="02000503000000020003" pitchFamily="2" charset="-79"/>
             </a:endParaRPr>
@@ -8946,8 +9361,8 @@
         </p:nvSpPr>
         <p:spPr>
           <a:xfrm>
-            <a:off x="820633" y="1218049"/>
-            <a:ext cx="7585136" cy="5123576"/>
+            <a:off x="1072542" y="1491015"/>
+            <a:ext cx="7333227" cy="4572000"/>
           </a:xfrm>
           <a:prstGeom prst="roundRect">
             <a:avLst>
@@ -9095,6 +9510,9 @@
           <a:p>
             <a:pPr algn="ctr"/>
             <a:endParaRPr lang="en-US" dirty="0">
+              <a:solidFill>
+                <a:srgbClr val="267326"/>
+              </a:solidFill>
               <a:latin typeface="LM Roman 10" pitchFamily="2" charset="77"/>
               <a:cs typeface="Didot" panose="02000503000000020003" pitchFamily="2" charset="-79"/>
             </a:endParaRPr>
@@ -9115,8 +9533,8 @@
         </p:nvSpPr>
         <p:spPr>
           <a:xfrm>
-            <a:off x="153175" y="504262"/>
-            <a:ext cx="2820003" cy="338554"/>
+            <a:off x="542269" y="810536"/>
+            <a:ext cx="2584362" cy="338554"/>
           </a:xfrm>
           <a:prstGeom prst="rect">
             <a:avLst/>
@@ -9134,7 +9552,7 @@
                 <a:latin typeface="LM Roman 10" pitchFamily="2" charset="77"/>
                 <a:cs typeface="Didot" panose="02000503000000020003" pitchFamily="2" charset="-79"/>
               </a:rPr>
-              <a:t>Charakteristika der Kontexte</a:t>
+              <a:t>Charakteristika der Schule</a:t>
             </a:r>
             <a:endParaRPr lang="en-US" dirty="0">
               <a:latin typeface="LM Roman 10" pitchFamily="2" charset="77"/>
@@ -9157,8 +9575,8 @@
         </p:nvSpPr>
         <p:spPr>
           <a:xfrm>
-            <a:off x="400882" y="861156"/>
-            <a:ext cx="2965877" cy="338554"/>
+            <a:off x="772193" y="1137072"/>
+            <a:ext cx="4216219" cy="338554"/>
           </a:xfrm>
           <a:prstGeom prst="rect">
             <a:avLst/>
@@ -9176,7 +9594,7 @@
                 <a:latin typeface="LM Roman 10" pitchFamily="2" charset="77"/>
                 <a:cs typeface="Didot" panose="02000503000000020003" pitchFamily="2" charset="-79"/>
               </a:rPr>
-              <a:t>Charakteristika der Nutzenden</a:t>
+              <a:t>Charakteristika der individuellen Lehrperson</a:t>
             </a:r>
             <a:endParaRPr lang="en-US" sz="1600" dirty="0">
               <a:latin typeface="LM Roman 10" pitchFamily="2" charset="77"/>
@@ -9199,8 +9617,8 @@
         </p:nvSpPr>
         <p:spPr>
           <a:xfrm>
-            <a:off x="820633" y="1230238"/>
-            <a:ext cx="2719014" cy="338554"/>
+            <a:off x="1044255" y="1447649"/>
+            <a:ext cx="5056192" cy="338554"/>
           </a:xfrm>
           <a:prstGeom prst="rect">
             <a:avLst/>
@@ -9218,7 +9636,7 @@
                 <a:latin typeface="LM Roman 10" pitchFamily="2" charset="77"/>
                 <a:cs typeface="Didot" panose="02000503000000020003" pitchFamily="2" charset="-79"/>
               </a:rPr>
-              <a:t>Charakteristika der Evidenz</a:t>
+              <a:t>Charakteristika der Forschung/des Forschungswissens</a:t>
             </a:r>
             <a:endParaRPr lang="en-US" sz="1600" dirty="0">
               <a:latin typeface="LM Roman 10" pitchFamily="2" charset="77"/>
@@ -9287,7 +9705,7 @@
             <a:r>
               <a:rPr lang="de-DE" dirty="0">
                 <a:solidFill>
-                  <a:schemeClr val="tx1"/>
+                  <a:srgbClr val="267326"/>
                 </a:solidFill>
                 <a:latin typeface="LM Roman 10" pitchFamily="2" charset="77"/>
                 <a:cs typeface="Didot" panose="02000503000000020003" pitchFamily="2" charset="-79"/>
@@ -9296,7 +9714,7 @@
             </a:r>
             <a:endParaRPr lang="en-US" dirty="0">
               <a:solidFill>
-                <a:schemeClr val="tx1"/>
+                <a:srgbClr val="267326"/>
               </a:solidFill>
               <a:latin typeface="LM Roman 10" pitchFamily="2" charset="77"/>
               <a:cs typeface="Didot" panose="02000503000000020003" pitchFamily="2" charset="-79"/>
@@ -9319,6 +9737,1557 @@
         <p:spPr>
           <a:xfrm>
             <a:off x="4390042" y="3439434"/>
+            <a:ext cx="1630680" cy="754380"/>
+          </a:xfrm>
+          <a:prstGeom prst="ellipse">
+            <a:avLst/>
+          </a:prstGeom>
+          <a:solidFill>
+            <a:srgbClr val="F2F2F2"/>
+          </a:solidFill>
+          <a:ln>
+            <a:solidFill>
+              <a:srgbClr val="96412D"/>
+            </a:solidFill>
+          </a:ln>
+          <a:effectLst>
+            <a:outerShdw blurRad="50800" dist="38100" dir="2700000" algn="tl" rotWithShape="0">
+              <a:prstClr val="black">
+                <a:alpha val="40000"/>
+              </a:prstClr>
+            </a:outerShdw>
+          </a:effectLst>
+        </p:spPr>
+        <p:style>
+          <a:lnRef idx="2">
+            <a:schemeClr val="accent1">
+              <a:shade val="50000"/>
+            </a:schemeClr>
+          </a:lnRef>
+          <a:fillRef idx="1">
+            <a:schemeClr val="accent1"/>
+          </a:fillRef>
+          <a:effectRef idx="0">
+            <a:schemeClr val="accent1"/>
+          </a:effectRef>
+          <a:fontRef idx="minor">
+            <a:schemeClr val="lt1"/>
+          </a:fontRef>
+        </p:style>
+        <p:txBody>
+          <a:bodyPr rtlCol="0" anchor="ctr"/>
+          <a:lstStyle/>
+          <a:p>
+            <a:pPr algn="ctr"/>
+            <a:r>
+              <a:rPr lang="de-DE" sz="1600" dirty="0">
+                <a:solidFill>
+                  <a:srgbClr val="96412D"/>
+                </a:solidFill>
+                <a:latin typeface="LM Roman 10" pitchFamily="2" charset="77"/>
+                <a:cs typeface="Didot" panose="02000503000000020003" pitchFamily="2" charset="-79"/>
+              </a:rPr>
+              <a:t>Evidenz</a:t>
+            </a:r>
+            <a:endParaRPr lang="en-US" dirty="0">
+              <a:solidFill>
+                <a:srgbClr val="96412D"/>
+              </a:solidFill>
+              <a:latin typeface="LM Roman 10" pitchFamily="2" charset="77"/>
+              <a:cs typeface="Didot" panose="02000503000000020003" pitchFamily="2" charset="-79"/>
+            </a:endParaRPr>
+          </a:p>
+        </p:txBody>
+      </p:sp>
+      <p:sp>
+        <p:nvSpPr>
+          <p:cNvPr id="15" name="Oval 14">
+            <a:extLst>
+              <a:ext uri="{FF2B5EF4-FFF2-40B4-BE49-F238E27FC236}">
+                <a16:creationId xmlns:a16="http://schemas.microsoft.com/office/drawing/2014/main" id="{97DAF1C8-8BF6-B122-BD80-962768DA66B4}"/>
+              </a:ext>
+            </a:extLst>
+          </p:cNvPr>
+          <p:cNvSpPr/>
+          <p:nvPr/>
+        </p:nvSpPr>
+        <p:spPr>
+          <a:xfrm>
+            <a:off x="6020722" y="2315722"/>
+            <a:ext cx="1630680" cy="754380"/>
+          </a:xfrm>
+          <a:prstGeom prst="ellipse">
+            <a:avLst/>
+          </a:prstGeom>
+          <a:solidFill>
+            <a:srgbClr val="F2F2F2"/>
+          </a:solidFill>
+          <a:ln>
+            <a:solidFill>
+              <a:srgbClr val="96412D"/>
+            </a:solidFill>
+          </a:ln>
+          <a:effectLst>
+            <a:outerShdw blurRad="50800" dist="38100" dir="2700000" algn="tl" rotWithShape="0">
+              <a:prstClr val="black">
+                <a:alpha val="40000"/>
+              </a:prstClr>
+            </a:outerShdw>
+          </a:effectLst>
+        </p:spPr>
+        <p:style>
+          <a:lnRef idx="2">
+            <a:schemeClr val="accent1">
+              <a:shade val="50000"/>
+            </a:schemeClr>
+          </a:lnRef>
+          <a:fillRef idx="1">
+            <a:schemeClr val="accent1"/>
+          </a:fillRef>
+          <a:effectRef idx="0">
+            <a:schemeClr val="accent1"/>
+          </a:effectRef>
+          <a:fontRef idx="minor">
+            <a:schemeClr val="lt1"/>
+          </a:fontRef>
+        </p:style>
+        <p:txBody>
+          <a:bodyPr rtlCol="0" anchor="ctr"/>
+          <a:lstStyle/>
+          <a:p>
+            <a:pPr algn="ctr"/>
+            <a:endParaRPr lang="en-US" sz="1600" dirty="0">
+              <a:solidFill>
+                <a:srgbClr val="267326"/>
+              </a:solidFill>
+              <a:latin typeface="LM Roman 10" pitchFamily="2" charset="77"/>
+              <a:cs typeface="Didot" panose="02000503000000020003" pitchFamily="2" charset="-79"/>
+            </a:endParaRPr>
+          </a:p>
+        </p:txBody>
+      </p:sp>
+      <p:cxnSp>
+        <p:nvCxnSpPr>
+          <p:cNvPr id="20" name="Connector: Curved 19">
+            <a:extLst>
+              <a:ext uri="{FF2B5EF4-FFF2-40B4-BE49-F238E27FC236}">
+                <a16:creationId xmlns:a16="http://schemas.microsoft.com/office/drawing/2014/main" id="{9D08A355-1BFF-B13D-EABD-1944CF8A7E31}"/>
+              </a:ext>
+            </a:extLst>
+          </p:cNvPr>
+          <p:cNvCxnSpPr>
+            <a:cxnSpLocks/>
+            <a:stCxn id="13" idx="0"/>
+            <a:endCxn id="14" idx="2"/>
+          </p:cNvCxnSpPr>
+          <p:nvPr/>
+        </p:nvCxnSpPr>
+        <p:spPr>
+          <a:xfrm rot="5400000" flipH="1" flipV="1">
+            <a:off x="3609111" y="3782215"/>
+            <a:ext cx="746522" cy="815340"/>
+          </a:xfrm>
+          <a:prstGeom prst="curvedConnector2">
+            <a:avLst/>
+          </a:prstGeom>
+          <a:ln w="34925">
+            <a:solidFill>
+              <a:schemeClr val="tx1"/>
+            </a:solidFill>
+            <a:tailEnd type="triangle"/>
+          </a:ln>
+        </p:spPr>
+        <p:style>
+          <a:lnRef idx="1">
+            <a:schemeClr val="accent1"/>
+          </a:lnRef>
+          <a:fillRef idx="0">
+            <a:schemeClr val="accent1"/>
+          </a:fillRef>
+          <a:effectRef idx="0">
+            <a:schemeClr val="accent1"/>
+          </a:effectRef>
+          <a:fontRef idx="minor">
+            <a:schemeClr val="tx1"/>
+          </a:fontRef>
+        </p:style>
+      </p:cxnSp>
+      <p:cxnSp>
+        <p:nvCxnSpPr>
+          <p:cNvPr id="23" name="Connector: Curved 22">
+            <a:extLst>
+              <a:ext uri="{FF2B5EF4-FFF2-40B4-BE49-F238E27FC236}">
+                <a16:creationId xmlns:a16="http://schemas.microsoft.com/office/drawing/2014/main" id="{C576A603-F83F-F3F0-AD46-5F1BC4B64A9E}"/>
+              </a:ext>
+            </a:extLst>
+          </p:cNvPr>
+          <p:cNvCxnSpPr>
+            <a:cxnSpLocks/>
+            <a:stCxn id="14" idx="0"/>
+            <a:endCxn id="15" idx="2"/>
+          </p:cNvCxnSpPr>
+          <p:nvPr/>
+        </p:nvCxnSpPr>
+        <p:spPr>
+          <a:xfrm rot="5400000" flipH="1" flipV="1">
+            <a:off x="5239791" y="2658503"/>
+            <a:ext cx="746522" cy="815340"/>
+          </a:xfrm>
+          <a:prstGeom prst="curvedConnector2">
+            <a:avLst/>
+          </a:prstGeom>
+          <a:ln w="34925">
+            <a:solidFill>
+              <a:srgbClr val="96412D"/>
+            </a:solidFill>
+            <a:tailEnd type="triangle"/>
+          </a:ln>
+        </p:spPr>
+        <p:style>
+          <a:lnRef idx="1">
+            <a:schemeClr val="accent1"/>
+          </a:lnRef>
+          <a:fillRef idx="0">
+            <a:schemeClr val="accent1"/>
+          </a:fillRef>
+          <a:effectRef idx="0">
+            <a:schemeClr val="accent1"/>
+          </a:effectRef>
+          <a:fontRef idx="minor">
+            <a:schemeClr val="tx1"/>
+          </a:fontRef>
+        </p:style>
+      </p:cxnSp>
+      <p:cxnSp>
+        <p:nvCxnSpPr>
+          <p:cNvPr id="37" name="Straight Arrow Connector 36">
+            <a:extLst>
+              <a:ext uri="{FF2B5EF4-FFF2-40B4-BE49-F238E27FC236}">
+                <a16:creationId xmlns:a16="http://schemas.microsoft.com/office/drawing/2014/main" id="{55715120-9AEF-727F-AF81-D95E0E013E59}"/>
+              </a:ext>
+            </a:extLst>
+          </p:cNvPr>
+          <p:cNvCxnSpPr>
+            <a:cxnSpLocks/>
+            <a:endCxn id="13" idx="6"/>
+          </p:cNvCxnSpPr>
+          <p:nvPr/>
+        </p:nvCxnSpPr>
+        <p:spPr>
+          <a:xfrm flipH="1">
+            <a:off x="4390042" y="4940336"/>
+            <a:ext cx="2446020" cy="0"/>
+          </a:xfrm>
+          <a:prstGeom prst="straightConnector1">
+            <a:avLst/>
+          </a:prstGeom>
+          <a:ln w="34925">
+            <a:solidFill>
+              <a:schemeClr val="tx1"/>
+            </a:solidFill>
+            <a:tailEnd type="triangle"/>
+          </a:ln>
+        </p:spPr>
+        <p:style>
+          <a:lnRef idx="1">
+            <a:schemeClr val="accent1"/>
+          </a:lnRef>
+          <a:fillRef idx="0">
+            <a:schemeClr val="accent1"/>
+          </a:fillRef>
+          <a:effectRef idx="0">
+            <a:schemeClr val="accent1"/>
+          </a:effectRef>
+          <a:fontRef idx="minor">
+            <a:schemeClr val="tx1"/>
+          </a:fontRef>
+        </p:style>
+      </p:cxnSp>
+      <p:cxnSp>
+        <p:nvCxnSpPr>
+          <p:cNvPr id="40" name="Straight Arrow Connector 39">
+            <a:extLst>
+              <a:ext uri="{FF2B5EF4-FFF2-40B4-BE49-F238E27FC236}">
+                <a16:creationId xmlns:a16="http://schemas.microsoft.com/office/drawing/2014/main" id="{877155B9-7D29-7689-96CE-6ACB5D537AB5}"/>
+              </a:ext>
+            </a:extLst>
+          </p:cNvPr>
+          <p:cNvCxnSpPr>
+            <a:cxnSpLocks/>
+            <a:stCxn id="14" idx="4"/>
+          </p:cNvCxnSpPr>
+          <p:nvPr/>
+        </p:nvCxnSpPr>
+        <p:spPr>
+          <a:xfrm>
+            <a:off x="5205382" y="4193814"/>
+            <a:ext cx="0" cy="746522"/>
+          </a:xfrm>
+          <a:prstGeom prst="straightConnector1">
+            <a:avLst/>
+          </a:prstGeom>
+          <a:ln w="34925">
+            <a:solidFill>
+              <a:schemeClr val="tx1"/>
+            </a:solidFill>
+            <a:tailEnd type="triangle"/>
+          </a:ln>
+        </p:spPr>
+        <p:style>
+          <a:lnRef idx="1">
+            <a:schemeClr val="accent1"/>
+          </a:lnRef>
+          <a:fillRef idx="0">
+            <a:schemeClr val="accent1"/>
+          </a:fillRef>
+          <a:effectRef idx="0">
+            <a:schemeClr val="accent1"/>
+          </a:effectRef>
+          <a:fontRef idx="minor">
+            <a:schemeClr val="tx1"/>
+          </a:fontRef>
+        </p:style>
+      </p:cxnSp>
+      <p:cxnSp>
+        <p:nvCxnSpPr>
+          <p:cNvPr id="43" name="Straight Arrow Connector 42">
+            <a:extLst>
+              <a:ext uri="{FF2B5EF4-FFF2-40B4-BE49-F238E27FC236}">
+                <a16:creationId xmlns:a16="http://schemas.microsoft.com/office/drawing/2014/main" id="{009A81FC-5496-1B64-61C2-0AACFC7477CD}"/>
+              </a:ext>
+            </a:extLst>
+          </p:cNvPr>
+          <p:cNvCxnSpPr>
+            <a:cxnSpLocks/>
+            <a:stCxn id="15" idx="4"/>
+          </p:cNvCxnSpPr>
+          <p:nvPr/>
+        </p:nvCxnSpPr>
+        <p:spPr>
+          <a:xfrm>
+            <a:off x="6836062" y="3070102"/>
+            <a:ext cx="0" cy="1870234"/>
+          </a:xfrm>
+          <a:prstGeom prst="straightConnector1">
+            <a:avLst/>
+          </a:prstGeom>
+          <a:ln w="34925">
+            <a:solidFill>
+              <a:schemeClr val="tx1"/>
+            </a:solidFill>
+            <a:tailEnd type="triangle"/>
+          </a:ln>
+        </p:spPr>
+        <p:style>
+          <a:lnRef idx="1">
+            <a:schemeClr val="accent1"/>
+          </a:lnRef>
+          <a:fillRef idx="0">
+            <a:schemeClr val="accent1"/>
+          </a:fillRef>
+          <a:effectRef idx="0">
+            <a:schemeClr val="accent1"/>
+          </a:effectRef>
+          <a:fontRef idx="minor">
+            <a:schemeClr val="tx1"/>
+          </a:fontRef>
+        </p:style>
+      </p:cxnSp>
+      <p:sp>
+        <p:nvSpPr>
+          <p:cNvPr id="53" name="TextBox 52">
+            <a:extLst>
+              <a:ext uri="{FF2B5EF4-FFF2-40B4-BE49-F238E27FC236}">
+                <a16:creationId xmlns:a16="http://schemas.microsoft.com/office/drawing/2014/main" id="{029917AF-EE12-5D28-5562-0A98D90EB631}"/>
+              </a:ext>
+            </a:extLst>
+          </p:cNvPr>
+          <p:cNvSpPr txBox="1"/>
+          <p:nvPr/>
+        </p:nvSpPr>
+        <p:spPr>
+          <a:xfrm>
+            <a:off x="2929617" y="4146382"/>
+            <a:ext cx="1667307" cy="307777"/>
+          </a:xfrm>
+          <a:prstGeom prst="rect">
+            <a:avLst/>
+          </a:prstGeom>
+          <a:solidFill>
+            <a:srgbClr val="F2F2F2"/>
+          </a:solidFill>
+        </p:spPr>
+        <p:txBody>
+          <a:bodyPr wrap="square" rtlCol="0">
+            <a:spAutoFit/>
+          </a:bodyPr>
+          <a:lstStyle/>
+          <a:p>
+            <a:r>
+              <a:rPr lang="de-DE" sz="1400" dirty="0">
+                <a:latin typeface="LM Roman 10" pitchFamily="2" charset="77"/>
+                <a:cs typeface="Didot" panose="02000503000000020003" pitchFamily="2" charset="-79"/>
+              </a:rPr>
+              <a:t>2) Zugriffsphase</a:t>
+            </a:r>
+            <a:endParaRPr lang="en-US" sz="1400" dirty="0">
+              <a:latin typeface="LM Roman 10" pitchFamily="2" charset="77"/>
+              <a:cs typeface="Didot" panose="02000503000000020003" pitchFamily="2" charset="-79"/>
+            </a:endParaRPr>
+          </a:p>
+        </p:txBody>
+      </p:sp>
+      <p:sp>
+        <p:nvSpPr>
+          <p:cNvPr id="54" name="TextBox 53">
+            <a:extLst>
+              <a:ext uri="{FF2B5EF4-FFF2-40B4-BE49-F238E27FC236}">
+                <a16:creationId xmlns:a16="http://schemas.microsoft.com/office/drawing/2014/main" id="{F4BF1643-F037-D0A5-7CD6-FB9BDE02E33D}"/>
+              </a:ext>
+            </a:extLst>
+          </p:cNvPr>
+          <p:cNvSpPr txBox="1"/>
+          <p:nvPr/>
+        </p:nvSpPr>
+        <p:spPr>
+          <a:xfrm>
+            <a:off x="4140586" y="3038327"/>
+            <a:ext cx="2211702" cy="307777"/>
+          </a:xfrm>
+          <a:prstGeom prst="rect">
+            <a:avLst/>
+          </a:prstGeom>
+          <a:solidFill>
+            <a:srgbClr val="F2F2F2"/>
+          </a:solidFill>
+        </p:spPr>
+        <p:txBody>
+          <a:bodyPr wrap="square" rtlCol="0">
+            <a:spAutoFit/>
+          </a:bodyPr>
+          <a:lstStyle/>
+          <a:p>
+            <a:r>
+              <a:rPr lang="de-DE" sz="1400" dirty="0">
+                <a:solidFill>
+                  <a:srgbClr val="96412D"/>
+                </a:solidFill>
+                <a:latin typeface="LM Roman 10" pitchFamily="2" charset="77"/>
+                <a:cs typeface="Didot" panose="02000503000000020003" pitchFamily="2" charset="-79"/>
+              </a:rPr>
+              <a:t>3) Schlussfolgerungsphase</a:t>
+            </a:r>
+            <a:endParaRPr lang="en-US" sz="1400" dirty="0">
+              <a:solidFill>
+                <a:srgbClr val="96412D"/>
+              </a:solidFill>
+              <a:latin typeface="LM Roman 10" pitchFamily="2" charset="77"/>
+              <a:cs typeface="Didot" panose="02000503000000020003" pitchFamily="2" charset="-79"/>
+            </a:endParaRPr>
+          </a:p>
+        </p:txBody>
+      </p:sp>
+      <p:cxnSp>
+        <p:nvCxnSpPr>
+          <p:cNvPr id="2" name="Connector: Curved 19">
+            <a:extLst>
+              <a:ext uri="{FF2B5EF4-FFF2-40B4-BE49-F238E27FC236}">
+                <a16:creationId xmlns:a16="http://schemas.microsoft.com/office/drawing/2014/main" id="{79AD504F-1947-BB8D-D92A-C6FFAA276207}"/>
+              </a:ext>
+            </a:extLst>
+          </p:cNvPr>
+          <p:cNvCxnSpPr>
+            <a:cxnSpLocks/>
+          </p:cNvCxnSpPr>
+          <p:nvPr/>
+        </p:nvCxnSpPr>
+        <p:spPr>
+          <a:xfrm rot="5400000" flipH="1" flipV="1">
+            <a:off x="1963885" y="4905927"/>
+            <a:ext cx="746522" cy="815340"/>
+          </a:xfrm>
+          <a:prstGeom prst="curvedConnector2">
+            <a:avLst/>
+          </a:prstGeom>
+          <a:ln w="34925">
+            <a:solidFill>
+              <a:schemeClr val="tx1"/>
+            </a:solidFill>
+            <a:tailEnd type="triangle"/>
+          </a:ln>
+        </p:spPr>
+        <p:style>
+          <a:lnRef idx="1">
+            <a:schemeClr val="accent1"/>
+          </a:lnRef>
+          <a:fillRef idx="0">
+            <a:schemeClr val="accent1"/>
+          </a:fillRef>
+          <a:effectRef idx="0">
+            <a:schemeClr val="accent1"/>
+          </a:effectRef>
+          <a:fontRef idx="minor">
+            <a:schemeClr val="tx1"/>
+          </a:fontRef>
+        </p:style>
+      </p:cxnSp>
+      <p:sp>
+        <p:nvSpPr>
+          <p:cNvPr id="3" name="TextBox 52">
+            <a:extLst>
+              <a:ext uri="{FF2B5EF4-FFF2-40B4-BE49-F238E27FC236}">
+                <a16:creationId xmlns:a16="http://schemas.microsoft.com/office/drawing/2014/main" id="{D5A8C5B0-BC37-0A64-9412-8C506A465311}"/>
+              </a:ext>
+            </a:extLst>
+          </p:cNvPr>
+          <p:cNvSpPr txBox="1"/>
+          <p:nvPr/>
+        </p:nvSpPr>
+        <p:spPr>
+          <a:xfrm>
+            <a:off x="1072543" y="5677641"/>
+            <a:ext cx="2110495" cy="307777"/>
+          </a:xfrm>
+          <a:prstGeom prst="rect">
+            <a:avLst/>
+          </a:prstGeom>
+          <a:solidFill>
+            <a:srgbClr val="F2F2F2"/>
+          </a:solidFill>
+        </p:spPr>
+        <p:txBody>
+          <a:bodyPr wrap="square" rtlCol="0">
+            <a:spAutoFit/>
+          </a:bodyPr>
+          <a:lstStyle/>
+          <a:p>
+            <a:r>
+              <a:rPr lang="de-DE" sz="1400" dirty="0">
+                <a:latin typeface="LM Roman 10" pitchFamily="2" charset="77"/>
+                <a:cs typeface="Didot" panose="02000503000000020003" pitchFamily="2" charset="-79"/>
+              </a:rPr>
+              <a:t>1) Konzeptuelle Phase</a:t>
+            </a:r>
+            <a:endParaRPr lang="en-US" sz="1400" dirty="0">
+              <a:latin typeface="LM Roman 10" pitchFamily="2" charset="77"/>
+              <a:cs typeface="Didot" panose="02000503000000020003" pitchFamily="2" charset="-79"/>
+            </a:endParaRPr>
+          </a:p>
+        </p:txBody>
+      </p:sp>
+      <p:sp>
+        <p:nvSpPr>
+          <p:cNvPr id="16" name="Textfeld 15">
+            <a:extLst>
+              <a:ext uri="{FF2B5EF4-FFF2-40B4-BE49-F238E27FC236}">
+                <a16:creationId xmlns:a16="http://schemas.microsoft.com/office/drawing/2014/main" id="{F0D1B2F8-9C8B-292F-AA60-FD23A1D1C222}"/>
+              </a:ext>
+            </a:extLst>
+          </p:cNvPr>
+          <p:cNvSpPr txBox="1"/>
+          <p:nvPr/>
+        </p:nvSpPr>
+        <p:spPr>
+          <a:xfrm>
+            <a:off x="6397152" y="2519706"/>
+            <a:ext cx="815340" cy="338554"/>
+          </a:xfrm>
+          <a:prstGeom prst="rect">
+            <a:avLst/>
+          </a:prstGeom>
+          <a:noFill/>
+        </p:spPr>
+        <p:txBody>
+          <a:bodyPr wrap="square" rtlCol="0">
+            <a:spAutoFit/>
+          </a:bodyPr>
+          <a:lstStyle/>
+          <a:p>
+            <a:r>
+              <a:rPr lang="de-DE" sz="1600" dirty="0">
+                <a:solidFill>
+                  <a:srgbClr val="96412D"/>
+                </a:solidFill>
+                <a:latin typeface="LM Roman 10" pitchFamily="2" charset="77"/>
+                <a:cs typeface="Didot" panose="02000503000000020003" pitchFamily="2" charset="-79"/>
+              </a:rPr>
+              <a:t>Wissen</a:t>
+            </a:r>
+            <a:endParaRPr lang="de-DE" dirty="0">
+              <a:solidFill>
+                <a:srgbClr val="96412D"/>
+              </a:solidFill>
+            </a:endParaRPr>
+          </a:p>
+        </p:txBody>
+      </p:sp>
+      <p:sp>
+        <p:nvSpPr>
+          <p:cNvPr id="6" name="Textfeld 5">
+            <a:extLst>
+              <a:ext uri="{FF2B5EF4-FFF2-40B4-BE49-F238E27FC236}">
+                <a16:creationId xmlns:a16="http://schemas.microsoft.com/office/drawing/2014/main" id="{28753A68-9EF3-34E0-F30F-923284A1A4B6}"/>
+              </a:ext>
+            </a:extLst>
+          </p:cNvPr>
+          <p:cNvSpPr txBox="1"/>
+          <p:nvPr/>
+        </p:nvSpPr>
+        <p:spPr>
+          <a:xfrm>
+            <a:off x="3126631" y="4754990"/>
+            <a:ext cx="896142" cy="369332"/>
+          </a:xfrm>
+          <a:prstGeom prst="rect">
+            <a:avLst/>
+          </a:prstGeom>
+          <a:noFill/>
+        </p:spPr>
+        <p:txBody>
+          <a:bodyPr wrap="square" rtlCol="0">
+            <a:spAutoFit/>
+          </a:bodyPr>
+          <a:lstStyle/>
+          <a:p>
+            <a:r>
+              <a:rPr lang="de-DE" dirty="0">
+                <a:latin typeface="LM Roman 10" pitchFamily="2" charset="77"/>
+                <a:cs typeface="Didot" panose="02000503000000020003" pitchFamily="2" charset="-79"/>
+              </a:rPr>
+              <a:t>Anlass</a:t>
+            </a:r>
+            <a:endParaRPr lang="de-DE" dirty="0"/>
+          </a:p>
+        </p:txBody>
+      </p:sp>
+      <p:sp>
+        <p:nvSpPr>
+          <p:cNvPr id="5" name="Rectangle: Rounded Corners 3">
+            <a:extLst>
+              <a:ext uri="{FF2B5EF4-FFF2-40B4-BE49-F238E27FC236}">
+                <a16:creationId xmlns:a16="http://schemas.microsoft.com/office/drawing/2014/main" id="{7680B836-4A0D-028C-0823-00482B71AF60}"/>
+              </a:ext>
+            </a:extLst>
+          </p:cNvPr>
+          <p:cNvSpPr/>
+          <p:nvPr/>
+        </p:nvSpPr>
+        <p:spPr>
+          <a:xfrm>
+            <a:off x="81024" y="494447"/>
+            <a:ext cx="11665066" cy="6570783"/>
+          </a:xfrm>
+          <a:prstGeom prst="roundRect">
+            <a:avLst>
+              <a:gd name="adj" fmla="val 2087"/>
+            </a:avLst>
+          </a:prstGeom>
+          <a:noFill/>
+          <a:ln>
+            <a:solidFill>
+              <a:schemeClr val="tx1"/>
+            </a:solidFill>
+            <a:prstDash val="dash"/>
+            <a:extLst>
+              <a:ext uri="{C807C97D-BFC1-408E-A445-0C87EB9F89A2}">
+                <ask:lineSketchStyleProps xmlns:ask="http://schemas.microsoft.com/office/drawing/2018/sketchyshapes" sd="1219033472">
+                  <a:custGeom>
+                    <a:avLst/>
+                    <a:gdLst>
+                      <a:gd name="connsiteX0" fmla="*/ 0 w 12011608"/>
+                      <a:gd name="connsiteY0" fmla="*/ 1093259 h 6559420"/>
+                      <a:gd name="connsiteX1" fmla="*/ 1093259 w 12011608"/>
+                      <a:gd name="connsiteY1" fmla="*/ 0 h 6559420"/>
+                      <a:gd name="connsiteX2" fmla="*/ 10918349 w 12011608"/>
+                      <a:gd name="connsiteY2" fmla="*/ 0 h 6559420"/>
+                      <a:gd name="connsiteX3" fmla="*/ 12011608 w 12011608"/>
+                      <a:gd name="connsiteY3" fmla="*/ 1093259 h 6559420"/>
+                      <a:gd name="connsiteX4" fmla="*/ 12011608 w 12011608"/>
+                      <a:gd name="connsiteY4" fmla="*/ 5466161 h 6559420"/>
+                      <a:gd name="connsiteX5" fmla="*/ 10918349 w 12011608"/>
+                      <a:gd name="connsiteY5" fmla="*/ 6559420 h 6559420"/>
+                      <a:gd name="connsiteX6" fmla="*/ 1093259 w 12011608"/>
+                      <a:gd name="connsiteY6" fmla="*/ 6559420 h 6559420"/>
+                      <a:gd name="connsiteX7" fmla="*/ 0 w 12011608"/>
+                      <a:gd name="connsiteY7" fmla="*/ 5466161 h 6559420"/>
+                      <a:gd name="connsiteX8" fmla="*/ 0 w 12011608"/>
+                      <a:gd name="connsiteY8" fmla="*/ 1093259 h 6559420"/>
+                    </a:gdLst>
+                    <a:ahLst/>
+                    <a:cxnLst>
+                      <a:cxn ang="0">
+                        <a:pos x="connsiteX0" y="connsiteY0"/>
+                      </a:cxn>
+                      <a:cxn ang="0">
+                        <a:pos x="connsiteX1" y="connsiteY1"/>
+                      </a:cxn>
+                      <a:cxn ang="0">
+                        <a:pos x="connsiteX2" y="connsiteY2"/>
+                      </a:cxn>
+                      <a:cxn ang="0">
+                        <a:pos x="connsiteX3" y="connsiteY3"/>
+                      </a:cxn>
+                      <a:cxn ang="0">
+                        <a:pos x="connsiteX4" y="connsiteY4"/>
+                      </a:cxn>
+                      <a:cxn ang="0">
+                        <a:pos x="connsiteX5" y="connsiteY5"/>
+                      </a:cxn>
+                      <a:cxn ang="0">
+                        <a:pos x="connsiteX6" y="connsiteY6"/>
+                      </a:cxn>
+                      <a:cxn ang="0">
+                        <a:pos x="connsiteX7" y="connsiteY7"/>
+                      </a:cxn>
+                      <a:cxn ang="0">
+                        <a:pos x="connsiteX8" y="connsiteY8"/>
+                      </a:cxn>
+                    </a:cxnLst>
+                    <a:rect l="l" t="t" r="r" b="b"/>
+                    <a:pathLst>
+                      <a:path w="12011608" h="6559420" extrusionOk="0">
+                        <a:moveTo>
+                          <a:pt x="0" y="1093259"/>
+                        </a:moveTo>
+                        <a:cubicBezTo>
+                          <a:pt x="-7845" y="484630"/>
+                          <a:pt x="467865" y="8108"/>
+                          <a:pt x="1093259" y="0"/>
+                        </a:cubicBezTo>
+                        <a:cubicBezTo>
+                          <a:pt x="4384189" y="132882"/>
+                          <a:pt x="7819229" y="-84951"/>
+                          <a:pt x="10918349" y="0"/>
+                        </a:cubicBezTo>
+                        <a:cubicBezTo>
+                          <a:pt x="11473475" y="47523"/>
+                          <a:pt x="11990134" y="608160"/>
+                          <a:pt x="12011608" y="1093259"/>
+                        </a:cubicBezTo>
+                        <a:cubicBezTo>
+                          <a:pt x="12031795" y="2900874"/>
+                          <a:pt x="12164088" y="4134857"/>
+                          <a:pt x="12011608" y="5466161"/>
+                        </a:cubicBezTo>
+                        <a:cubicBezTo>
+                          <a:pt x="12036918" y="6072954"/>
+                          <a:pt x="11571857" y="6457101"/>
+                          <a:pt x="10918349" y="6559420"/>
+                        </a:cubicBezTo>
+                        <a:cubicBezTo>
+                          <a:pt x="9602557" y="6647059"/>
+                          <a:pt x="3354151" y="6486741"/>
+                          <a:pt x="1093259" y="6559420"/>
+                        </a:cubicBezTo>
+                        <a:cubicBezTo>
+                          <a:pt x="482666" y="6494544"/>
+                          <a:pt x="-19749" y="6097396"/>
+                          <a:pt x="0" y="5466161"/>
+                        </a:cubicBezTo>
+                        <a:cubicBezTo>
+                          <a:pt x="-38581" y="3816704"/>
+                          <a:pt x="63341" y="3160269"/>
+                          <a:pt x="0" y="1093259"/>
+                        </a:cubicBezTo>
+                        <a:close/>
+                      </a:path>
+                    </a:pathLst>
+                  </a:custGeom>
+                  <ask:type>
+                    <ask:lineSketchNone/>
+                  </ask:type>
+                </ask:lineSketchStyleProps>
+              </a:ext>
+            </a:extLst>
+          </a:ln>
+        </p:spPr>
+        <p:style>
+          <a:lnRef idx="2">
+            <a:schemeClr val="accent1">
+              <a:shade val="50000"/>
+            </a:schemeClr>
+          </a:lnRef>
+          <a:fillRef idx="1">
+            <a:schemeClr val="accent1"/>
+          </a:fillRef>
+          <a:effectRef idx="0">
+            <a:schemeClr val="accent1"/>
+          </a:effectRef>
+          <a:fontRef idx="minor">
+            <a:schemeClr val="lt1"/>
+          </a:fontRef>
+        </p:style>
+        <p:txBody>
+          <a:bodyPr rtlCol="0" anchor="ctr"/>
+          <a:lstStyle/>
+          <a:p>
+            <a:pPr algn="ctr"/>
+            <a:endParaRPr lang="en-US" dirty="0">
+              <a:solidFill>
+                <a:srgbClr val="267326"/>
+              </a:solidFill>
+              <a:latin typeface="LM Roman 10" pitchFamily="2" charset="77"/>
+              <a:cs typeface="Didot" panose="02000503000000020003" pitchFamily="2" charset="-79"/>
+            </a:endParaRPr>
+          </a:p>
+        </p:txBody>
+      </p:sp>
+      <p:sp>
+        <p:nvSpPr>
+          <p:cNvPr id="12" name="TextBox 8">
+            <a:extLst>
+              <a:ext uri="{FF2B5EF4-FFF2-40B4-BE49-F238E27FC236}">
+                <a16:creationId xmlns:a16="http://schemas.microsoft.com/office/drawing/2014/main" id="{3C509CB0-07F1-F883-81D8-E1110BBCCA56}"/>
+              </a:ext>
+            </a:extLst>
+          </p:cNvPr>
+          <p:cNvSpPr txBox="1"/>
+          <p:nvPr/>
+        </p:nvSpPr>
+        <p:spPr>
+          <a:xfrm>
+            <a:off x="215989" y="482870"/>
+            <a:ext cx="3459601" cy="338554"/>
+          </a:xfrm>
+          <a:prstGeom prst="rect">
+            <a:avLst/>
+          </a:prstGeom>
+          <a:noFill/>
+        </p:spPr>
+        <p:txBody>
+          <a:bodyPr wrap="none" rtlCol="0">
+            <a:spAutoFit/>
+          </a:bodyPr>
+          <a:lstStyle/>
+          <a:p>
+            <a:r>
+              <a:rPr lang="de-DE" sz="1600" dirty="0">
+                <a:latin typeface="LM Roman 10" pitchFamily="2" charset="77"/>
+                <a:cs typeface="Didot" panose="02000503000000020003" pitchFamily="2" charset="-79"/>
+              </a:rPr>
+              <a:t>Charakteristika der Kommunikation</a:t>
+            </a:r>
+            <a:endParaRPr lang="en-US" dirty="0">
+              <a:latin typeface="LM Roman 10" pitchFamily="2" charset="77"/>
+              <a:cs typeface="Didot" panose="02000503000000020003" pitchFamily="2" charset="-79"/>
+            </a:endParaRPr>
+          </a:p>
+        </p:txBody>
+      </p:sp>
+      <p:pic>
+        <p:nvPicPr>
+          <p:cNvPr id="25" name="Grafik 24" descr="Blitz mit einfarbiger Füllung">
+            <a:extLst>
+              <a:ext uri="{FF2B5EF4-FFF2-40B4-BE49-F238E27FC236}">
+                <a16:creationId xmlns:a16="http://schemas.microsoft.com/office/drawing/2014/main" id="{ECA01EBF-5AB9-37D3-4B03-2866BF8304B1}"/>
+              </a:ext>
+            </a:extLst>
+          </p:cNvPr>
+          <p:cNvPicPr>
+            <a:picLocks noChangeAspect="1"/>
+          </p:cNvPicPr>
+          <p:nvPr/>
+        </p:nvPicPr>
+        <p:blipFill>
+          <a:blip r:embed="rId2">
+            <a:extLst>
+              <a:ext uri="{96DAC541-7B7A-43D3-8B79-37D633B846F1}">
+                <asvg:svgBlip xmlns:asvg="http://schemas.microsoft.com/office/drawing/2016/SVG/main" r:embed="rId3"/>
+              </a:ext>
+            </a:extLst>
+          </a:blip>
+          <a:stretch>
+            <a:fillRect/>
+          </a:stretch>
+        </p:blipFill>
+        <p:spPr>
+          <a:xfrm>
+            <a:off x="5052823" y="2126525"/>
+            <a:ext cx="1149641" cy="1149641"/>
+          </a:xfrm>
+          <a:prstGeom prst="rect">
+            <a:avLst/>
+          </a:prstGeom>
+        </p:spPr>
+      </p:pic>
+    </p:spTree>
+    <p:extLst>
+      <p:ext uri="{BB962C8B-B14F-4D97-AF65-F5344CB8AC3E}">
+        <p14:creationId xmlns:p14="http://schemas.microsoft.com/office/powerpoint/2010/main" val="567856876"/>
+      </p:ext>
+    </p:extLst>
+  </p:cSld>
+  <p:clrMapOvr>
+    <a:masterClrMapping/>
+  </p:clrMapOvr>
+</p:sld>
+</file>
+
+<file path=ppt/slides/slide13.xml><?xml version="1.0" encoding="utf-8"?>
+<p:sld xmlns:a="http://schemas.openxmlformats.org/drawingml/2006/main" xmlns:r="http://schemas.openxmlformats.org/officeDocument/2006/relationships" xmlns:p="http://schemas.openxmlformats.org/presentationml/2006/main" show="0">
+  <p:cSld>
+    <p:spTree>
+      <p:nvGrpSpPr>
+        <p:cNvPr id="1" name=""/>
+        <p:cNvGrpSpPr/>
+        <p:nvPr/>
+      </p:nvGrpSpPr>
+      <p:grpSpPr>
+        <a:xfrm>
+          <a:off x="0" y="0"/>
+          <a:ext cx="0" cy="0"/>
+          <a:chOff x="0" y="0"/>
+          <a:chExt cx="0" cy="0"/>
+        </a:xfrm>
+      </p:grpSpPr>
+      <p:sp>
+        <p:nvSpPr>
+          <p:cNvPr id="4" name="Rectangle: Rounded Corners 3">
+            <a:extLst>
+              <a:ext uri="{FF2B5EF4-FFF2-40B4-BE49-F238E27FC236}">
+                <a16:creationId xmlns:a16="http://schemas.microsoft.com/office/drawing/2014/main" id="{2D443806-1B78-F60A-17BD-3154C6BDE4EA}"/>
+              </a:ext>
+            </a:extLst>
+          </p:cNvPr>
+          <p:cNvSpPr/>
+          <p:nvPr/>
+        </p:nvSpPr>
+        <p:spPr>
+          <a:xfrm>
+            <a:off x="90197" y="500127"/>
+            <a:ext cx="12011608" cy="6559420"/>
+          </a:xfrm>
+          <a:prstGeom prst="roundRect">
+            <a:avLst>
+              <a:gd name="adj" fmla="val 2087"/>
+            </a:avLst>
+          </a:prstGeom>
+          <a:noFill/>
+          <a:ln>
+            <a:solidFill>
+              <a:schemeClr val="tx1"/>
+            </a:solidFill>
+            <a:prstDash val="dash"/>
+            <a:extLst>
+              <a:ext uri="{C807C97D-BFC1-408E-A445-0C87EB9F89A2}">
+                <ask:lineSketchStyleProps xmlns:ask="http://schemas.microsoft.com/office/drawing/2018/sketchyshapes" sd="1219033472">
+                  <a:custGeom>
+                    <a:avLst/>
+                    <a:gdLst>
+                      <a:gd name="connsiteX0" fmla="*/ 0 w 12011608"/>
+                      <a:gd name="connsiteY0" fmla="*/ 1093259 h 6559420"/>
+                      <a:gd name="connsiteX1" fmla="*/ 1093259 w 12011608"/>
+                      <a:gd name="connsiteY1" fmla="*/ 0 h 6559420"/>
+                      <a:gd name="connsiteX2" fmla="*/ 10918349 w 12011608"/>
+                      <a:gd name="connsiteY2" fmla="*/ 0 h 6559420"/>
+                      <a:gd name="connsiteX3" fmla="*/ 12011608 w 12011608"/>
+                      <a:gd name="connsiteY3" fmla="*/ 1093259 h 6559420"/>
+                      <a:gd name="connsiteX4" fmla="*/ 12011608 w 12011608"/>
+                      <a:gd name="connsiteY4" fmla="*/ 5466161 h 6559420"/>
+                      <a:gd name="connsiteX5" fmla="*/ 10918349 w 12011608"/>
+                      <a:gd name="connsiteY5" fmla="*/ 6559420 h 6559420"/>
+                      <a:gd name="connsiteX6" fmla="*/ 1093259 w 12011608"/>
+                      <a:gd name="connsiteY6" fmla="*/ 6559420 h 6559420"/>
+                      <a:gd name="connsiteX7" fmla="*/ 0 w 12011608"/>
+                      <a:gd name="connsiteY7" fmla="*/ 5466161 h 6559420"/>
+                      <a:gd name="connsiteX8" fmla="*/ 0 w 12011608"/>
+                      <a:gd name="connsiteY8" fmla="*/ 1093259 h 6559420"/>
+                    </a:gdLst>
+                    <a:ahLst/>
+                    <a:cxnLst>
+                      <a:cxn ang="0">
+                        <a:pos x="connsiteX0" y="connsiteY0"/>
+                      </a:cxn>
+                      <a:cxn ang="0">
+                        <a:pos x="connsiteX1" y="connsiteY1"/>
+                      </a:cxn>
+                      <a:cxn ang="0">
+                        <a:pos x="connsiteX2" y="connsiteY2"/>
+                      </a:cxn>
+                      <a:cxn ang="0">
+                        <a:pos x="connsiteX3" y="connsiteY3"/>
+                      </a:cxn>
+                      <a:cxn ang="0">
+                        <a:pos x="connsiteX4" y="connsiteY4"/>
+                      </a:cxn>
+                      <a:cxn ang="0">
+                        <a:pos x="connsiteX5" y="connsiteY5"/>
+                      </a:cxn>
+                      <a:cxn ang="0">
+                        <a:pos x="connsiteX6" y="connsiteY6"/>
+                      </a:cxn>
+                      <a:cxn ang="0">
+                        <a:pos x="connsiteX7" y="connsiteY7"/>
+                      </a:cxn>
+                      <a:cxn ang="0">
+                        <a:pos x="connsiteX8" y="connsiteY8"/>
+                      </a:cxn>
+                    </a:cxnLst>
+                    <a:rect l="l" t="t" r="r" b="b"/>
+                    <a:pathLst>
+                      <a:path w="12011608" h="6559420" extrusionOk="0">
+                        <a:moveTo>
+                          <a:pt x="0" y="1093259"/>
+                        </a:moveTo>
+                        <a:cubicBezTo>
+                          <a:pt x="-7845" y="484630"/>
+                          <a:pt x="467865" y="8108"/>
+                          <a:pt x="1093259" y="0"/>
+                        </a:cubicBezTo>
+                        <a:cubicBezTo>
+                          <a:pt x="4384189" y="132882"/>
+                          <a:pt x="7819229" y="-84951"/>
+                          <a:pt x="10918349" y="0"/>
+                        </a:cubicBezTo>
+                        <a:cubicBezTo>
+                          <a:pt x="11473475" y="47523"/>
+                          <a:pt x="11990134" y="608160"/>
+                          <a:pt x="12011608" y="1093259"/>
+                        </a:cubicBezTo>
+                        <a:cubicBezTo>
+                          <a:pt x="12031795" y="2900874"/>
+                          <a:pt x="12164088" y="4134857"/>
+                          <a:pt x="12011608" y="5466161"/>
+                        </a:cubicBezTo>
+                        <a:cubicBezTo>
+                          <a:pt x="12036918" y="6072954"/>
+                          <a:pt x="11571857" y="6457101"/>
+                          <a:pt x="10918349" y="6559420"/>
+                        </a:cubicBezTo>
+                        <a:cubicBezTo>
+                          <a:pt x="9602557" y="6647059"/>
+                          <a:pt x="3354151" y="6486741"/>
+                          <a:pt x="1093259" y="6559420"/>
+                        </a:cubicBezTo>
+                        <a:cubicBezTo>
+                          <a:pt x="482666" y="6494544"/>
+                          <a:pt x="-19749" y="6097396"/>
+                          <a:pt x="0" y="5466161"/>
+                        </a:cubicBezTo>
+                        <a:cubicBezTo>
+                          <a:pt x="-38581" y="3816704"/>
+                          <a:pt x="63341" y="3160269"/>
+                          <a:pt x="0" y="1093259"/>
+                        </a:cubicBezTo>
+                        <a:close/>
+                      </a:path>
+                    </a:pathLst>
+                  </a:custGeom>
+                  <ask:type>
+                    <ask:lineSketchNone/>
+                  </ask:type>
+                </ask:lineSketchStyleProps>
+              </a:ext>
+            </a:extLst>
+          </a:ln>
+        </p:spPr>
+        <p:style>
+          <a:lnRef idx="2">
+            <a:schemeClr val="accent1">
+              <a:shade val="50000"/>
+            </a:schemeClr>
+          </a:lnRef>
+          <a:fillRef idx="1">
+            <a:schemeClr val="accent1"/>
+          </a:fillRef>
+          <a:effectRef idx="0">
+            <a:schemeClr val="accent1"/>
+          </a:effectRef>
+          <a:fontRef idx="minor">
+            <a:schemeClr val="lt1"/>
+          </a:fontRef>
+        </p:style>
+        <p:txBody>
+          <a:bodyPr rtlCol="0" anchor="ctr"/>
+          <a:lstStyle/>
+          <a:p>
+            <a:pPr algn="ctr"/>
+            <a:endParaRPr lang="en-US" dirty="0">
+              <a:latin typeface="LM Roman 10" pitchFamily="2" charset="77"/>
+              <a:cs typeface="Didot" panose="02000503000000020003" pitchFamily="2" charset="-79"/>
+            </a:endParaRPr>
+          </a:p>
+        </p:txBody>
+      </p:sp>
+      <p:sp>
+        <p:nvSpPr>
+          <p:cNvPr id="7" name="Rectangle: Rounded Corners 6">
+            <a:extLst>
+              <a:ext uri="{FF2B5EF4-FFF2-40B4-BE49-F238E27FC236}">
+                <a16:creationId xmlns:a16="http://schemas.microsoft.com/office/drawing/2014/main" id="{7E31F85C-7964-9E7D-59BD-F1D7029E5CEF}"/>
+              </a:ext>
+            </a:extLst>
+          </p:cNvPr>
+          <p:cNvSpPr/>
+          <p:nvPr/>
+        </p:nvSpPr>
+        <p:spPr>
+          <a:xfrm>
+            <a:off x="400881" y="873594"/>
+            <a:ext cx="11390238" cy="5812486"/>
+          </a:xfrm>
+          <a:prstGeom prst="roundRect">
+            <a:avLst>
+              <a:gd name="adj" fmla="val 2087"/>
+            </a:avLst>
+          </a:prstGeom>
+          <a:noFill/>
+          <a:ln>
+            <a:solidFill>
+              <a:schemeClr val="tx1"/>
+            </a:solidFill>
+            <a:prstDash val="dash"/>
+            <a:extLst>
+              <a:ext uri="{C807C97D-BFC1-408E-A445-0C87EB9F89A2}">
+                <ask:lineSketchStyleProps xmlns:ask="http://schemas.microsoft.com/office/drawing/2018/sketchyshapes" sd="1219033472">
+                  <a:custGeom>
+                    <a:avLst/>
+                    <a:gdLst>
+                      <a:gd name="connsiteX0" fmla="*/ 0 w 12011608"/>
+                      <a:gd name="connsiteY0" fmla="*/ 1093259 h 6559420"/>
+                      <a:gd name="connsiteX1" fmla="*/ 1093259 w 12011608"/>
+                      <a:gd name="connsiteY1" fmla="*/ 0 h 6559420"/>
+                      <a:gd name="connsiteX2" fmla="*/ 10918349 w 12011608"/>
+                      <a:gd name="connsiteY2" fmla="*/ 0 h 6559420"/>
+                      <a:gd name="connsiteX3" fmla="*/ 12011608 w 12011608"/>
+                      <a:gd name="connsiteY3" fmla="*/ 1093259 h 6559420"/>
+                      <a:gd name="connsiteX4" fmla="*/ 12011608 w 12011608"/>
+                      <a:gd name="connsiteY4" fmla="*/ 5466161 h 6559420"/>
+                      <a:gd name="connsiteX5" fmla="*/ 10918349 w 12011608"/>
+                      <a:gd name="connsiteY5" fmla="*/ 6559420 h 6559420"/>
+                      <a:gd name="connsiteX6" fmla="*/ 1093259 w 12011608"/>
+                      <a:gd name="connsiteY6" fmla="*/ 6559420 h 6559420"/>
+                      <a:gd name="connsiteX7" fmla="*/ 0 w 12011608"/>
+                      <a:gd name="connsiteY7" fmla="*/ 5466161 h 6559420"/>
+                      <a:gd name="connsiteX8" fmla="*/ 0 w 12011608"/>
+                      <a:gd name="connsiteY8" fmla="*/ 1093259 h 6559420"/>
+                    </a:gdLst>
+                    <a:ahLst/>
+                    <a:cxnLst>
+                      <a:cxn ang="0">
+                        <a:pos x="connsiteX0" y="connsiteY0"/>
+                      </a:cxn>
+                      <a:cxn ang="0">
+                        <a:pos x="connsiteX1" y="connsiteY1"/>
+                      </a:cxn>
+                      <a:cxn ang="0">
+                        <a:pos x="connsiteX2" y="connsiteY2"/>
+                      </a:cxn>
+                      <a:cxn ang="0">
+                        <a:pos x="connsiteX3" y="connsiteY3"/>
+                      </a:cxn>
+                      <a:cxn ang="0">
+                        <a:pos x="connsiteX4" y="connsiteY4"/>
+                      </a:cxn>
+                      <a:cxn ang="0">
+                        <a:pos x="connsiteX5" y="connsiteY5"/>
+                      </a:cxn>
+                      <a:cxn ang="0">
+                        <a:pos x="connsiteX6" y="connsiteY6"/>
+                      </a:cxn>
+                      <a:cxn ang="0">
+                        <a:pos x="connsiteX7" y="connsiteY7"/>
+                      </a:cxn>
+                      <a:cxn ang="0">
+                        <a:pos x="connsiteX8" y="connsiteY8"/>
+                      </a:cxn>
+                    </a:cxnLst>
+                    <a:rect l="l" t="t" r="r" b="b"/>
+                    <a:pathLst>
+                      <a:path w="12011608" h="6559420" extrusionOk="0">
+                        <a:moveTo>
+                          <a:pt x="0" y="1093259"/>
+                        </a:moveTo>
+                        <a:cubicBezTo>
+                          <a:pt x="-7845" y="484630"/>
+                          <a:pt x="467865" y="8108"/>
+                          <a:pt x="1093259" y="0"/>
+                        </a:cubicBezTo>
+                        <a:cubicBezTo>
+                          <a:pt x="4384189" y="132882"/>
+                          <a:pt x="7819229" y="-84951"/>
+                          <a:pt x="10918349" y="0"/>
+                        </a:cubicBezTo>
+                        <a:cubicBezTo>
+                          <a:pt x="11473475" y="47523"/>
+                          <a:pt x="11990134" y="608160"/>
+                          <a:pt x="12011608" y="1093259"/>
+                        </a:cubicBezTo>
+                        <a:cubicBezTo>
+                          <a:pt x="12031795" y="2900874"/>
+                          <a:pt x="12164088" y="4134857"/>
+                          <a:pt x="12011608" y="5466161"/>
+                        </a:cubicBezTo>
+                        <a:cubicBezTo>
+                          <a:pt x="12036918" y="6072954"/>
+                          <a:pt x="11571857" y="6457101"/>
+                          <a:pt x="10918349" y="6559420"/>
+                        </a:cubicBezTo>
+                        <a:cubicBezTo>
+                          <a:pt x="9602557" y="6647059"/>
+                          <a:pt x="3354151" y="6486741"/>
+                          <a:pt x="1093259" y="6559420"/>
+                        </a:cubicBezTo>
+                        <a:cubicBezTo>
+                          <a:pt x="482666" y="6494544"/>
+                          <a:pt x="-19749" y="6097396"/>
+                          <a:pt x="0" y="5466161"/>
+                        </a:cubicBezTo>
+                        <a:cubicBezTo>
+                          <a:pt x="-38581" y="3816704"/>
+                          <a:pt x="63341" y="3160269"/>
+                          <a:pt x="0" y="1093259"/>
+                        </a:cubicBezTo>
+                        <a:close/>
+                      </a:path>
+                    </a:pathLst>
+                  </a:custGeom>
+                  <ask:type>
+                    <ask:lineSketchNone/>
+                  </ask:type>
+                </ask:lineSketchStyleProps>
+              </a:ext>
+            </a:extLst>
+          </a:ln>
+        </p:spPr>
+        <p:style>
+          <a:lnRef idx="2">
+            <a:schemeClr val="accent1">
+              <a:shade val="50000"/>
+            </a:schemeClr>
+          </a:lnRef>
+          <a:fillRef idx="1">
+            <a:schemeClr val="accent1"/>
+          </a:fillRef>
+          <a:effectRef idx="0">
+            <a:schemeClr val="accent1"/>
+          </a:effectRef>
+          <a:fontRef idx="minor">
+            <a:schemeClr val="lt1"/>
+          </a:fontRef>
+        </p:style>
+        <p:txBody>
+          <a:bodyPr rtlCol="0" anchor="ctr"/>
+          <a:lstStyle/>
+          <a:p>
+            <a:pPr algn="ctr"/>
+            <a:endParaRPr lang="en-US" dirty="0">
+              <a:latin typeface="LM Roman 10" pitchFamily="2" charset="77"/>
+              <a:cs typeface="Didot" panose="02000503000000020003" pitchFamily="2" charset="-79"/>
+            </a:endParaRPr>
+          </a:p>
+        </p:txBody>
+      </p:sp>
+      <p:sp>
+        <p:nvSpPr>
+          <p:cNvPr id="8" name="Rectangle: Rounded Corners 7">
+            <a:extLst>
+              <a:ext uri="{FF2B5EF4-FFF2-40B4-BE49-F238E27FC236}">
+                <a16:creationId xmlns:a16="http://schemas.microsoft.com/office/drawing/2014/main" id="{7751CDBA-94D4-E5A6-7DF9-44DFA078906F}"/>
+              </a:ext>
+            </a:extLst>
+          </p:cNvPr>
+          <p:cNvSpPr/>
+          <p:nvPr/>
+        </p:nvSpPr>
+        <p:spPr>
+          <a:xfrm>
+            <a:off x="820633" y="1218049"/>
+            <a:ext cx="7585136" cy="5123576"/>
+          </a:xfrm>
+          <a:prstGeom prst="roundRect">
+            <a:avLst>
+              <a:gd name="adj" fmla="val 2087"/>
+            </a:avLst>
+          </a:prstGeom>
+          <a:noFill/>
+          <a:ln>
+            <a:solidFill>
+              <a:schemeClr val="tx1"/>
+            </a:solidFill>
+            <a:prstDash val="dash"/>
+            <a:extLst>
+              <a:ext uri="{C807C97D-BFC1-408E-A445-0C87EB9F89A2}">
+                <ask:lineSketchStyleProps xmlns:ask="http://schemas.microsoft.com/office/drawing/2018/sketchyshapes" sd="1219033472">
+                  <a:custGeom>
+                    <a:avLst/>
+                    <a:gdLst>
+                      <a:gd name="connsiteX0" fmla="*/ 0 w 12011608"/>
+                      <a:gd name="connsiteY0" fmla="*/ 1093259 h 6559420"/>
+                      <a:gd name="connsiteX1" fmla="*/ 1093259 w 12011608"/>
+                      <a:gd name="connsiteY1" fmla="*/ 0 h 6559420"/>
+                      <a:gd name="connsiteX2" fmla="*/ 10918349 w 12011608"/>
+                      <a:gd name="connsiteY2" fmla="*/ 0 h 6559420"/>
+                      <a:gd name="connsiteX3" fmla="*/ 12011608 w 12011608"/>
+                      <a:gd name="connsiteY3" fmla="*/ 1093259 h 6559420"/>
+                      <a:gd name="connsiteX4" fmla="*/ 12011608 w 12011608"/>
+                      <a:gd name="connsiteY4" fmla="*/ 5466161 h 6559420"/>
+                      <a:gd name="connsiteX5" fmla="*/ 10918349 w 12011608"/>
+                      <a:gd name="connsiteY5" fmla="*/ 6559420 h 6559420"/>
+                      <a:gd name="connsiteX6" fmla="*/ 1093259 w 12011608"/>
+                      <a:gd name="connsiteY6" fmla="*/ 6559420 h 6559420"/>
+                      <a:gd name="connsiteX7" fmla="*/ 0 w 12011608"/>
+                      <a:gd name="connsiteY7" fmla="*/ 5466161 h 6559420"/>
+                      <a:gd name="connsiteX8" fmla="*/ 0 w 12011608"/>
+                      <a:gd name="connsiteY8" fmla="*/ 1093259 h 6559420"/>
+                    </a:gdLst>
+                    <a:ahLst/>
+                    <a:cxnLst>
+                      <a:cxn ang="0">
+                        <a:pos x="connsiteX0" y="connsiteY0"/>
+                      </a:cxn>
+                      <a:cxn ang="0">
+                        <a:pos x="connsiteX1" y="connsiteY1"/>
+                      </a:cxn>
+                      <a:cxn ang="0">
+                        <a:pos x="connsiteX2" y="connsiteY2"/>
+                      </a:cxn>
+                      <a:cxn ang="0">
+                        <a:pos x="connsiteX3" y="connsiteY3"/>
+                      </a:cxn>
+                      <a:cxn ang="0">
+                        <a:pos x="connsiteX4" y="connsiteY4"/>
+                      </a:cxn>
+                      <a:cxn ang="0">
+                        <a:pos x="connsiteX5" y="connsiteY5"/>
+                      </a:cxn>
+                      <a:cxn ang="0">
+                        <a:pos x="connsiteX6" y="connsiteY6"/>
+                      </a:cxn>
+                      <a:cxn ang="0">
+                        <a:pos x="connsiteX7" y="connsiteY7"/>
+                      </a:cxn>
+                      <a:cxn ang="0">
+                        <a:pos x="connsiteX8" y="connsiteY8"/>
+                      </a:cxn>
+                    </a:cxnLst>
+                    <a:rect l="l" t="t" r="r" b="b"/>
+                    <a:pathLst>
+                      <a:path w="12011608" h="6559420" extrusionOk="0">
+                        <a:moveTo>
+                          <a:pt x="0" y="1093259"/>
+                        </a:moveTo>
+                        <a:cubicBezTo>
+                          <a:pt x="-7845" y="484630"/>
+                          <a:pt x="467865" y="8108"/>
+                          <a:pt x="1093259" y="0"/>
+                        </a:cubicBezTo>
+                        <a:cubicBezTo>
+                          <a:pt x="4384189" y="132882"/>
+                          <a:pt x="7819229" y="-84951"/>
+                          <a:pt x="10918349" y="0"/>
+                        </a:cubicBezTo>
+                        <a:cubicBezTo>
+                          <a:pt x="11473475" y="47523"/>
+                          <a:pt x="11990134" y="608160"/>
+                          <a:pt x="12011608" y="1093259"/>
+                        </a:cubicBezTo>
+                        <a:cubicBezTo>
+                          <a:pt x="12031795" y="2900874"/>
+                          <a:pt x="12164088" y="4134857"/>
+                          <a:pt x="12011608" y="5466161"/>
+                        </a:cubicBezTo>
+                        <a:cubicBezTo>
+                          <a:pt x="12036918" y="6072954"/>
+                          <a:pt x="11571857" y="6457101"/>
+                          <a:pt x="10918349" y="6559420"/>
+                        </a:cubicBezTo>
+                        <a:cubicBezTo>
+                          <a:pt x="9602557" y="6647059"/>
+                          <a:pt x="3354151" y="6486741"/>
+                          <a:pt x="1093259" y="6559420"/>
+                        </a:cubicBezTo>
+                        <a:cubicBezTo>
+                          <a:pt x="482666" y="6494544"/>
+                          <a:pt x="-19749" y="6097396"/>
+                          <a:pt x="0" y="5466161"/>
+                        </a:cubicBezTo>
+                        <a:cubicBezTo>
+                          <a:pt x="-38581" y="3816704"/>
+                          <a:pt x="63341" y="3160269"/>
+                          <a:pt x="0" y="1093259"/>
+                        </a:cubicBezTo>
+                        <a:close/>
+                      </a:path>
+                    </a:pathLst>
+                  </a:custGeom>
+                  <ask:type>
+                    <ask:lineSketchNone/>
+                  </ask:type>
+                </ask:lineSketchStyleProps>
+              </a:ext>
+            </a:extLst>
+          </a:ln>
+        </p:spPr>
+        <p:style>
+          <a:lnRef idx="2">
+            <a:schemeClr val="accent1">
+              <a:shade val="50000"/>
+            </a:schemeClr>
+          </a:lnRef>
+          <a:fillRef idx="1">
+            <a:schemeClr val="accent1"/>
+          </a:fillRef>
+          <a:effectRef idx="0">
+            <a:schemeClr val="accent1"/>
+          </a:effectRef>
+          <a:fontRef idx="minor">
+            <a:schemeClr val="lt1"/>
+          </a:fontRef>
+        </p:style>
+        <p:txBody>
+          <a:bodyPr rtlCol="0" anchor="ctr"/>
+          <a:lstStyle/>
+          <a:p>
+            <a:pPr algn="ctr"/>
+            <a:endParaRPr lang="en-US" dirty="0">
+              <a:latin typeface="LM Roman 10" pitchFamily="2" charset="77"/>
+              <a:cs typeface="Didot" panose="02000503000000020003" pitchFamily="2" charset="-79"/>
+            </a:endParaRPr>
+          </a:p>
+        </p:txBody>
+      </p:sp>
+      <p:sp>
+        <p:nvSpPr>
+          <p:cNvPr id="9" name="TextBox 8">
+            <a:extLst>
+              <a:ext uri="{FF2B5EF4-FFF2-40B4-BE49-F238E27FC236}">
+                <a16:creationId xmlns:a16="http://schemas.microsoft.com/office/drawing/2014/main" id="{54F6159C-C000-718D-1CB8-474645C5C703}"/>
+              </a:ext>
+            </a:extLst>
+          </p:cNvPr>
+          <p:cNvSpPr txBox="1"/>
+          <p:nvPr/>
+        </p:nvSpPr>
+        <p:spPr>
+          <a:xfrm>
+            <a:off x="153175" y="504262"/>
+            <a:ext cx="2820003" cy="338554"/>
+          </a:xfrm>
+          <a:prstGeom prst="rect">
+            <a:avLst/>
+          </a:prstGeom>
+          <a:noFill/>
+        </p:spPr>
+        <p:txBody>
+          <a:bodyPr wrap="none" rtlCol="0">
+            <a:spAutoFit/>
+          </a:bodyPr>
+          <a:lstStyle/>
+          <a:p>
+            <a:r>
+              <a:rPr lang="de-DE" sz="1600" dirty="0">
+                <a:latin typeface="LM Roman 10" pitchFamily="2" charset="77"/>
+                <a:cs typeface="Didot" panose="02000503000000020003" pitchFamily="2" charset="-79"/>
+              </a:rPr>
+              <a:t>Charakteristika der Kontexte</a:t>
+            </a:r>
+            <a:endParaRPr lang="en-US" dirty="0">
+              <a:latin typeface="LM Roman 10" pitchFamily="2" charset="77"/>
+              <a:cs typeface="Didot" panose="02000503000000020003" pitchFamily="2" charset="-79"/>
+            </a:endParaRPr>
+          </a:p>
+        </p:txBody>
+      </p:sp>
+      <p:sp>
+        <p:nvSpPr>
+          <p:cNvPr id="10" name="TextBox 9">
+            <a:extLst>
+              <a:ext uri="{FF2B5EF4-FFF2-40B4-BE49-F238E27FC236}">
+                <a16:creationId xmlns:a16="http://schemas.microsoft.com/office/drawing/2014/main" id="{7089942B-64B4-A49D-35FF-C2AF5B72F395}"/>
+              </a:ext>
+            </a:extLst>
+          </p:cNvPr>
+          <p:cNvSpPr txBox="1"/>
+          <p:nvPr/>
+        </p:nvSpPr>
+        <p:spPr>
+          <a:xfrm>
+            <a:off x="400882" y="861156"/>
+            <a:ext cx="2965877" cy="338554"/>
+          </a:xfrm>
+          <a:prstGeom prst="rect">
+            <a:avLst/>
+          </a:prstGeom>
+          <a:noFill/>
+        </p:spPr>
+        <p:txBody>
+          <a:bodyPr wrap="none" rtlCol="0">
+            <a:spAutoFit/>
+          </a:bodyPr>
+          <a:lstStyle/>
+          <a:p>
+            <a:r>
+              <a:rPr lang="de-DE" sz="1600" dirty="0">
+                <a:latin typeface="LM Roman 10" pitchFamily="2" charset="77"/>
+                <a:cs typeface="Didot" panose="02000503000000020003" pitchFamily="2" charset="-79"/>
+              </a:rPr>
+              <a:t>Charakteristika der Nutzenden</a:t>
+            </a:r>
+            <a:endParaRPr lang="en-US" sz="1600" dirty="0">
+              <a:latin typeface="LM Roman 10" pitchFamily="2" charset="77"/>
+              <a:cs typeface="Didot" panose="02000503000000020003" pitchFamily="2" charset="-79"/>
+            </a:endParaRPr>
+          </a:p>
+        </p:txBody>
+      </p:sp>
+      <p:sp>
+        <p:nvSpPr>
+          <p:cNvPr id="11" name="TextBox 10">
+            <a:extLst>
+              <a:ext uri="{FF2B5EF4-FFF2-40B4-BE49-F238E27FC236}">
+                <a16:creationId xmlns:a16="http://schemas.microsoft.com/office/drawing/2014/main" id="{13879C0C-1EBE-1092-85BE-105AC4D194FF}"/>
+              </a:ext>
+            </a:extLst>
+          </p:cNvPr>
+          <p:cNvSpPr txBox="1"/>
+          <p:nvPr/>
+        </p:nvSpPr>
+        <p:spPr>
+          <a:xfrm>
+            <a:off x="820633" y="1230238"/>
+            <a:ext cx="2719014" cy="338554"/>
+          </a:xfrm>
+          <a:prstGeom prst="rect">
+            <a:avLst/>
+          </a:prstGeom>
+          <a:noFill/>
+        </p:spPr>
+        <p:txBody>
+          <a:bodyPr wrap="none" rtlCol="0">
+            <a:spAutoFit/>
+          </a:bodyPr>
+          <a:lstStyle/>
+          <a:p>
+            <a:r>
+              <a:rPr lang="de-DE" sz="1600" dirty="0">
+                <a:latin typeface="LM Roman 10" pitchFamily="2" charset="77"/>
+                <a:cs typeface="Didot" panose="02000503000000020003" pitchFamily="2" charset="-79"/>
+              </a:rPr>
+              <a:t>Charakteristika der Evidenz</a:t>
+            </a:r>
+            <a:endParaRPr lang="en-US" sz="1600" dirty="0">
+              <a:latin typeface="LM Roman 10" pitchFamily="2" charset="77"/>
+              <a:cs typeface="Didot" panose="02000503000000020003" pitchFamily="2" charset="-79"/>
+            </a:endParaRPr>
+          </a:p>
+        </p:txBody>
+      </p:sp>
+      <p:sp>
+        <p:nvSpPr>
+          <p:cNvPr id="13" name="Oval 12">
+            <a:extLst>
+              <a:ext uri="{FF2B5EF4-FFF2-40B4-BE49-F238E27FC236}">
+                <a16:creationId xmlns:a16="http://schemas.microsoft.com/office/drawing/2014/main" id="{1D8693F1-4AF6-B64B-4F0A-B464A18041CC}"/>
+              </a:ext>
+            </a:extLst>
+          </p:cNvPr>
+          <p:cNvSpPr/>
+          <p:nvPr/>
+        </p:nvSpPr>
+        <p:spPr>
+          <a:xfrm>
+            <a:off x="2759362" y="4563146"/>
             <a:ext cx="1630680" cy="754380"/>
           </a:xfrm>
           <a:prstGeom prst="ellipse">
@@ -9362,14 +11331,14 @@
           <a:p>
             <a:pPr algn="ctr"/>
             <a:r>
-              <a:rPr lang="de-DE" sz="1600" dirty="0">
+              <a:rPr lang="de-DE" dirty="0">
                 <a:solidFill>
                   <a:schemeClr val="tx1"/>
                 </a:solidFill>
                 <a:latin typeface="LM Roman 10" pitchFamily="2" charset="77"/>
                 <a:cs typeface="Didot" panose="02000503000000020003" pitchFamily="2" charset="-79"/>
               </a:rPr>
-              <a:t>Evidenz</a:t>
+              <a:t> </a:t>
             </a:r>
             <a:endParaRPr lang="en-US" dirty="0">
               <a:solidFill>
@@ -9383,10 +11352,10 @@
       </p:sp>
       <p:sp>
         <p:nvSpPr>
-          <p:cNvPr id="15" name="Oval 14">
-            <a:extLst>
-              <a:ext uri="{FF2B5EF4-FFF2-40B4-BE49-F238E27FC236}">
-                <a16:creationId xmlns:a16="http://schemas.microsoft.com/office/drawing/2014/main" id="{97DAF1C8-8BF6-B122-BD80-962768DA66B4}"/>
+          <p:cNvPr id="14" name="Oval 13">
+            <a:extLst>
+              <a:ext uri="{FF2B5EF4-FFF2-40B4-BE49-F238E27FC236}">
+                <a16:creationId xmlns:a16="http://schemas.microsoft.com/office/drawing/2014/main" id="{2A14B365-C792-8A6C-8E80-FF83C67B5D55}"/>
               </a:ext>
             </a:extLst>
           </p:cNvPr>
@@ -9395,7 +11364,7 @@
         </p:nvSpPr>
         <p:spPr>
           <a:xfrm>
-            <a:off x="6020722" y="2315722"/>
+            <a:off x="4390042" y="3439434"/>
             <a:ext cx="1630680" cy="754380"/>
           </a:xfrm>
           <a:prstGeom prst="ellipse">
@@ -9438,7 +11407,17 @@
           <a:lstStyle/>
           <a:p>
             <a:pPr algn="ctr"/>
-            <a:endParaRPr lang="en-US" sz="1600" dirty="0">
+            <a:r>
+              <a:rPr lang="de-DE" sz="1600" dirty="0">
+                <a:solidFill>
+                  <a:schemeClr val="tx1"/>
+                </a:solidFill>
+                <a:latin typeface="LM Roman 10" pitchFamily="2" charset="77"/>
+                <a:cs typeface="Didot" panose="02000503000000020003" pitchFamily="2" charset="-79"/>
+              </a:rPr>
+              <a:t>Evidenz</a:t>
+            </a:r>
+            <a:endParaRPr lang="en-US" dirty="0">
               <a:solidFill>
                 <a:schemeClr val="tx1"/>
               </a:solidFill>
@@ -9448,104 +11427,12 @@
           </a:p>
         </p:txBody>
       </p:sp>
-      <p:cxnSp>
-        <p:nvCxnSpPr>
-          <p:cNvPr id="20" name="Connector: Curved 19">
-            <a:extLst>
-              <a:ext uri="{FF2B5EF4-FFF2-40B4-BE49-F238E27FC236}">
-                <a16:creationId xmlns:a16="http://schemas.microsoft.com/office/drawing/2014/main" id="{9D08A355-1BFF-B13D-EABD-1944CF8A7E31}"/>
-              </a:ext>
-            </a:extLst>
-          </p:cNvPr>
-          <p:cNvCxnSpPr>
-            <a:cxnSpLocks/>
-            <a:stCxn id="13" idx="0"/>
-            <a:endCxn id="14" idx="2"/>
-          </p:cNvCxnSpPr>
-          <p:nvPr/>
-        </p:nvCxnSpPr>
-        <p:spPr>
-          <a:xfrm rot="5400000" flipH="1" flipV="1">
-            <a:off x="3609111" y="3782215"/>
-            <a:ext cx="746522" cy="815340"/>
-          </a:xfrm>
-          <a:prstGeom prst="curvedConnector2">
-            <a:avLst/>
-          </a:prstGeom>
-          <a:ln w="34925">
-            <a:solidFill>
-              <a:schemeClr val="tx1"/>
-            </a:solidFill>
-            <a:tailEnd type="triangle"/>
-          </a:ln>
-        </p:spPr>
-        <p:style>
-          <a:lnRef idx="1">
-            <a:schemeClr val="accent1"/>
-          </a:lnRef>
-          <a:fillRef idx="0">
-            <a:schemeClr val="accent1"/>
-          </a:fillRef>
-          <a:effectRef idx="0">
-            <a:schemeClr val="accent1"/>
-          </a:effectRef>
-          <a:fontRef idx="minor">
-            <a:schemeClr val="tx1"/>
-          </a:fontRef>
-        </p:style>
-      </p:cxnSp>
-      <p:cxnSp>
-        <p:nvCxnSpPr>
-          <p:cNvPr id="23" name="Connector: Curved 22">
-            <a:extLst>
-              <a:ext uri="{FF2B5EF4-FFF2-40B4-BE49-F238E27FC236}">
-                <a16:creationId xmlns:a16="http://schemas.microsoft.com/office/drawing/2014/main" id="{C576A603-F83F-F3F0-AD46-5F1BC4B64A9E}"/>
-              </a:ext>
-            </a:extLst>
-          </p:cNvPr>
-          <p:cNvCxnSpPr>
-            <a:cxnSpLocks/>
-            <a:stCxn id="14" idx="0"/>
-            <a:endCxn id="15" idx="2"/>
-          </p:cNvCxnSpPr>
-          <p:nvPr/>
-        </p:nvCxnSpPr>
-        <p:spPr>
-          <a:xfrm rot="5400000" flipH="1" flipV="1">
-            <a:off x="5239791" y="2658503"/>
-            <a:ext cx="746522" cy="815340"/>
-          </a:xfrm>
-          <a:prstGeom prst="curvedConnector2">
-            <a:avLst/>
-          </a:prstGeom>
-          <a:ln w="34925">
-            <a:solidFill>
-              <a:schemeClr val="tx1"/>
-            </a:solidFill>
-            <a:tailEnd type="triangle"/>
-          </a:ln>
-        </p:spPr>
-        <p:style>
-          <a:lnRef idx="1">
-            <a:schemeClr val="accent1"/>
-          </a:lnRef>
-          <a:fillRef idx="0">
-            <a:schemeClr val="accent1"/>
-          </a:fillRef>
-          <a:effectRef idx="0">
-            <a:schemeClr val="accent1"/>
-          </a:effectRef>
-          <a:fontRef idx="minor">
-            <a:schemeClr val="tx1"/>
-          </a:fontRef>
-        </p:style>
-      </p:cxnSp>
-      <p:sp>
-        <p:nvSpPr>
-          <p:cNvPr id="26" name="Oval 25">
-            <a:extLst>
-              <a:ext uri="{FF2B5EF4-FFF2-40B4-BE49-F238E27FC236}">
-                <a16:creationId xmlns:a16="http://schemas.microsoft.com/office/drawing/2014/main" id="{E3DC8A4E-1508-5E72-013D-97FAFDC90495}"/>
+      <p:sp>
+        <p:nvSpPr>
+          <p:cNvPr id="15" name="Oval 14">
+            <a:extLst>
+              <a:ext uri="{FF2B5EF4-FFF2-40B4-BE49-F238E27FC236}">
+                <a16:creationId xmlns:a16="http://schemas.microsoft.com/office/drawing/2014/main" id="{97DAF1C8-8BF6-B122-BD80-962768DA66B4}"/>
               </a:ext>
             </a:extLst>
           </p:cNvPr>
@@ -9554,7 +11441,7 @@
         </p:nvSpPr>
         <p:spPr>
           <a:xfrm>
-            <a:off x="8944559" y="2311793"/>
+            <a:off x="6020722" y="2315722"/>
             <a:ext cx="1630680" cy="754380"/>
           </a:xfrm>
           <a:prstGeom prst="ellipse">
@@ -9597,7 +11484,7 @@
           <a:lstStyle/>
           <a:p>
             <a:pPr algn="ctr"/>
-            <a:endParaRPr lang="en-US" dirty="0">
+            <a:endParaRPr lang="en-US" sz="1600" dirty="0">
               <a:solidFill>
                 <a:schemeClr val="tx1"/>
               </a:solidFill>
@@ -9607,12 +11494,104 @@
           </a:p>
         </p:txBody>
       </p:sp>
-      <p:sp>
-        <p:nvSpPr>
-          <p:cNvPr id="27" name="Oval 26">
-            <a:extLst>
-              <a:ext uri="{FF2B5EF4-FFF2-40B4-BE49-F238E27FC236}">
-                <a16:creationId xmlns:a16="http://schemas.microsoft.com/office/drawing/2014/main" id="{72AF60ED-4044-E5E5-F9E9-64C7593F7CC0}"/>
+      <p:cxnSp>
+        <p:nvCxnSpPr>
+          <p:cNvPr id="20" name="Connector: Curved 19">
+            <a:extLst>
+              <a:ext uri="{FF2B5EF4-FFF2-40B4-BE49-F238E27FC236}">
+                <a16:creationId xmlns:a16="http://schemas.microsoft.com/office/drawing/2014/main" id="{9D08A355-1BFF-B13D-EABD-1944CF8A7E31}"/>
+              </a:ext>
+            </a:extLst>
+          </p:cNvPr>
+          <p:cNvCxnSpPr>
+            <a:cxnSpLocks/>
+            <a:stCxn id="13" idx="0"/>
+            <a:endCxn id="14" idx="2"/>
+          </p:cNvCxnSpPr>
+          <p:nvPr/>
+        </p:nvCxnSpPr>
+        <p:spPr>
+          <a:xfrm rot="5400000" flipH="1" flipV="1">
+            <a:off x="3609111" y="3782215"/>
+            <a:ext cx="746522" cy="815340"/>
+          </a:xfrm>
+          <a:prstGeom prst="curvedConnector2">
+            <a:avLst/>
+          </a:prstGeom>
+          <a:ln w="34925">
+            <a:solidFill>
+              <a:schemeClr val="tx1"/>
+            </a:solidFill>
+            <a:tailEnd type="triangle"/>
+          </a:ln>
+        </p:spPr>
+        <p:style>
+          <a:lnRef idx="1">
+            <a:schemeClr val="accent1"/>
+          </a:lnRef>
+          <a:fillRef idx="0">
+            <a:schemeClr val="accent1"/>
+          </a:fillRef>
+          <a:effectRef idx="0">
+            <a:schemeClr val="accent1"/>
+          </a:effectRef>
+          <a:fontRef idx="minor">
+            <a:schemeClr val="tx1"/>
+          </a:fontRef>
+        </p:style>
+      </p:cxnSp>
+      <p:cxnSp>
+        <p:nvCxnSpPr>
+          <p:cNvPr id="23" name="Connector: Curved 22">
+            <a:extLst>
+              <a:ext uri="{FF2B5EF4-FFF2-40B4-BE49-F238E27FC236}">
+                <a16:creationId xmlns:a16="http://schemas.microsoft.com/office/drawing/2014/main" id="{C576A603-F83F-F3F0-AD46-5F1BC4B64A9E}"/>
+              </a:ext>
+            </a:extLst>
+          </p:cNvPr>
+          <p:cNvCxnSpPr>
+            <a:cxnSpLocks/>
+            <a:stCxn id="14" idx="0"/>
+            <a:endCxn id="15" idx="2"/>
+          </p:cNvCxnSpPr>
+          <p:nvPr/>
+        </p:nvCxnSpPr>
+        <p:spPr>
+          <a:xfrm rot="5400000" flipH="1" flipV="1">
+            <a:off x="5239791" y="2658503"/>
+            <a:ext cx="746522" cy="815340"/>
+          </a:xfrm>
+          <a:prstGeom prst="curvedConnector2">
+            <a:avLst/>
+          </a:prstGeom>
+          <a:ln w="34925">
+            <a:solidFill>
+              <a:schemeClr val="tx1"/>
+            </a:solidFill>
+            <a:tailEnd type="triangle"/>
+          </a:ln>
+        </p:spPr>
+        <p:style>
+          <a:lnRef idx="1">
+            <a:schemeClr val="accent1"/>
+          </a:lnRef>
+          <a:fillRef idx="0">
+            <a:schemeClr val="accent1"/>
+          </a:fillRef>
+          <a:effectRef idx="0">
+            <a:schemeClr val="accent1"/>
+          </a:effectRef>
+          <a:fontRef idx="minor">
+            <a:schemeClr val="tx1"/>
+          </a:fontRef>
+        </p:style>
+      </p:cxnSp>
+      <p:sp>
+        <p:nvSpPr>
+          <p:cNvPr id="26" name="Oval 25">
+            <a:extLst>
+              <a:ext uri="{FF2B5EF4-FFF2-40B4-BE49-F238E27FC236}">
+                <a16:creationId xmlns:a16="http://schemas.microsoft.com/office/drawing/2014/main" id="{E3DC8A4E-1508-5E72-013D-97FAFDC90495}"/>
               </a:ext>
             </a:extLst>
           </p:cNvPr>
@@ -9621,7 +11600,7 @@
         </p:nvSpPr>
         <p:spPr>
           <a:xfrm>
-            <a:off x="8944559" y="4563146"/>
+            <a:off x="8944559" y="2311793"/>
             <a:ext cx="1630680" cy="754380"/>
           </a:xfrm>
           <a:prstGeom prst="ellipse">
@@ -9664,6 +11643,73 @@
           <a:lstStyle/>
           <a:p>
             <a:pPr algn="ctr"/>
+            <a:endParaRPr lang="en-US" dirty="0">
+              <a:solidFill>
+                <a:schemeClr val="tx1"/>
+              </a:solidFill>
+              <a:latin typeface="LM Roman 10" pitchFamily="2" charset="77"/>
+              <a:cs typeface="Didot" panose="02000503000000020003" pitchFamily="2" charset="-79"/>
+            </a:endParaRPr>
+          </a:p>
+        </p:txBody>
+      </p:sp>
+      <p:sp>
+        <p:nvSpPr>
+          <p:cNvPr id="27" name="Oval 26">
+            <a:extLst>
+              <a:ext uri="{FF2B5EF4-FFF2-40B4-BE49-F238E27FC236}">
+                <a16:creationId xmlns:a16="http://schemas.microsoft.com/office/drawing/2014/main" id="{72AF60ED-4044-E5E5-F9E9-64C7593F7CC0}"/>
+              </a:ext>
+            </a:extLst>
+          </p:cNvPr>
+          <p:cNvSpPr/>
+          <p:nvPr/>
+        </p:nvSpPr>
+        <p:spPr>
+          <a:xfrm>
+            <a:off x="8944559" y="4563146"/>
+            <a:ext cx="1630680" cy="754380"/>
+          </a:xfrm>
+          <a:prstGeom prst="ellipse">
+            <a:avLst/>
+          </a:prstGeom>
+          <a:solidFill>
+            <a:srgbClr val="F2F2F2"/>
+          </a:solidFill>
+          <a:ln>
+            <a:solidFill>
+              <a:schemeClr val="tx1"/>
+            </a:solidFill>
+          </a:ln>
+          <a:effectLst>
+            <a:outerShdw blurRad="50800" dist="38100" dir="2700000" algn="tl" rotWithShape="0">
+              <a:prstClr val="black">
+                <a:alpha val="40000"/>
+              </a:prstClr>
+            </a:outerShdw>
+          </a:effectLst>
+        </p:spPr>
+        <p:style>
+          <a:lnRef idx="2">
+            <a:schemeClr val="accent1">
+              <a:shade val="50000"/>
+            </a:schemeClr>
+          </a:lnRef>
+          <a:fillRef idx="1">
+            <a:schemeClr val="accent1"/>
+          </a:fillRef>
+          <a:effectRef idx="0">
+            <a:schemeClr val="accent1"/>
+          </a:effectRef>
+          <a:fontRef idx="minor">
+            <a:schemeClr val="lt1"/>
+          </a:fontRef>
+        </p:style>
+        <p:txBody>
+          <a:bodyPr rtlCol="0" anchor="ctr"/>
+          <a:lstStyle/>
+          <a:p>
+            <a:pPr algn="ctr"/>
             <a:r>
               <a:rPr lang="de-DE" sz="1600" dirty="0">
                 <a:solidFill>
@@ -10344,7 +12390,7 @@
 </p:sld>
 </file>
 
-<file path=ppt/slides/slide13.xml><?xml version="1.0" encoding="utf-8"?>
+<file path=ppt/slides/slide14.xml><?xml version="1.0" encoding="utf-8"?>
 <p:sld xmlns:a="http://schemas.openxmlformats.org/drawingml/2006/main" xmlns:r="http://schemas.openxmlformats.org/officeDocument/2006/relationships" xmlns:p="http://schemas.openxmlformats.org/presentationml/2006/main" show="0">
   <p:cSld>
     <p:spTree>
@@ -12201,7 +14247,7 @@
 </p:sld>
 </file>
 
-<file path=ppt/slides/slide14.xml><?xml version="1.0" encoding="utf-8"?>
+<file path=ppt/slides/slide15.xml><?xml version="1.0" encoding="utf-8"?>
 <p:sld xmlns:a="http://schemas.openxmlformats.org/drawingml/2006/main" xmlns:r="http://schemas.openxmlformats.org/officeDocument/2006/relationships" xmlns:p="http://schemas.openxmlformats.org/presentationml/2006/main" show="0">
   <p:cSld>
     <p:spTree>
@@ -14220,7 +16266,7 @@
 </p:sld>
 </file>
 
-<file path=ppt/slides/slide15.xml><?xml version="1.0" encoding="utf-8"?>
+<file path=ppt/slides/slide16.xml><?xml version="1.0" encoding="utf-8"?>
 <p:sld xmlns:a="http://schemas.openxmlformats.org/drawingml/2006/main" xmlns:r="http://schemas.openxmlformats.org/officeDocument/2006/relationships" xmlns:p="http://schemas.openxmlformats.org/presentationml/2006/main" show="0">
   <p:cSld>
     <p:spTree>
@@ -16077,7 +18123,7 @@
 </p:sld>
 </file>
 
-<file path=ppt/slides/slide16.xml><?xml version="1.0" encoding="utf-8"?>
+<file path=ppt/slides/slide17.xml><?xml version="1.0" encoding="utf-8"?>
 <p:sld xmlns:a="http://schemas.openxmlformats.org/drawingml/2006/main" xmlns:r="http://schemas.openxmlformats.org/officeDocument/2006/relationships" xmlns:p="http://schemas.openxmlformats.org/presentationml/2006/main" show="0">
   <p:cSld>
     <p:spTree>
